--- a/ppt/R-01-Intro.pptx
+++ b/ppt/R-01-Intro.pptx
@@ -20,10 +20,10 @@
     <p:sldId id="282" r:id="rId8"/>
     <p:sldId id="270" r:id="rId9"/>
     <p:sldId id="271" r:id="rId10"/>
-    <p:sldId id="287" r:id="rId11"/>
-    <p:sldId id="288" r:id="rId12"/>
-    <p:sldId id="289" r:id="rId13"/>
-    <p:sldId id="298" r:id="rId14"/>
+    <p:sldId id="298" r:id="rId11"/>
+    <p:sldId id="287" r:id="rId12"/>
+    <p:sldId id="288" r:id="rId13"/>
+    <p:sldId id="289" r:id="rId14"/>
     <p:sldId id="299" r:id="rId15"/>
     <p:sldId id="290" r:id="rId16"/>
     <p:sldId id="291" r:id="rId17"/>
@@ -3819,6 +3819,83 @@
           <a:lstStyle/>
           <a:p>
             <a:r>
+              <a:rPr lang="fr-FR" dirty="0" smtClean="0"/>
+              <a:t>Opérations algébriques de bases</a:t>
+            </a:r>
+            <a:endParaRPr lang="fr-FR" dirty="0"/>
+          </a:p>
+        </p:txBody>
+      </p:sp>
+      <p:pic>
+        <p:nvPicPr>
+          <p:cNvPr id="4" name="Image 3"/>
+          <p:cNvPicPr>
+            <a:picLocks noChangeAspect="1"/>
+          </p:cNvPicPr>
+          <p:nvPr/>
+        </p:nvPicPr>
+        <p:blipFill>
+          <a:blip r:embed="rId2"/>
+          <a:stretch>
+            <a:fillRect/>
+          </a:stretch>
+        </p:blipFill>
+        <p:spPr>
+          <a:xfrm>
+            <a:off x="1259632" y="908720"/>
+            <a:ext cx="6120680" cy="5604892"/>
+          </a:xfrm>
+          <a:prstGeom prst="rect">
+            <a:avLst/>
+          </a:prstGeom>
+        </p:spPr>
+      </p:pic>
+    </p:spTree>
+    <p:extLst>
+      <p:ext uri="{BB962C8B-B14F-4D97-AF65-F5344CB8AC3E}">
+        <p14:creationId xmlns:p14="http://schemas.microsoft.com/office/powerpoint/2010/main" val="1223722583"/>
+      </p:ext>
+    </p:extLst>
+  </p:cSld>
+  <p:clrMapOvr>
+    <a:masterClrMapping/>
+  </p:clrMapOvr>
+</p:sld>
+</file>
+
+<file path=ppt/slides/slide11.xml><?xml version="1.0" encoding="utf-8"?>
+<p:sld xmlns:a="http://schemas.openxmlformats.org/drawingml/2006/main" xmlns:r="http://schemas.openxmlformats.org/officeDocument/2006/relationships" xmlns:p="http://schemas.openxmlformats.org/presentationml/2006/main">
+  <p:cSld>
+    <p:spTree>
+      <p:nvGrpSpPr>
+        <p:cNvPr id="1" name=""/>
+        <p:cNvGrpSpPr/>
+        <p:nvPr/>
+      </p:nvGrpSpPr>
+      <p:grpSpPr>
+        <a:xfrm>
+          <a:off x="0" y="0"/>
+          <a:ext cx="0" cy="0"/>
+          <a:chOff x="0" y="0"/>
+          <a:chExt cx="0" cy="0"/>
+        </a:xfrm>
+      </p:grpSpPr>
+      <p:sp>
+        <p:nvSpPr>
+          <p:cNvPr id="2" name="Titre 1"/>
+          <p:cNvSpPr>
+            <a:spLocks noGrp="1"/>
+          </p:cNvSpPr>
+          <p:nvPr>
+            <p:ph type="title"/>
+          </p:nvPr>
+        </p:nvSpPr>
+        <p:spPr/>
+        <p:txBody>
+          <a:bodyPr/>
+          <a:lstStyle/>
+          <a:p>
+            <a:r>
               <a:rPr lang="fr-FR" dirty="0" err="1" smtClean="0"/>
               <a:t>RGui</a:t>
             </a:r>
@@ -3893,122 +3970,6 @@
 </p:sld>
 </file>
 
-<file path=ppt/slides/slide11.xml><?xml version="1.0" encoding="utf-8"?>
-<p:sld xmlns:a="http://schemas.openxmlformats.org/drawingml/2006/main" xmlns:r="http://schemas.openxmlformats.org/officeDocument/2006/relationships" xmlns:p="http://schemas.openxmlformats.org/presentationml/2006/main">
-  <p:cSld>
-    <p:spTree>
-      <p:nvGrpSpPr>
-        <p:cNvPr id="1" name=""/>
-        <p:cNvGrpSpPr/>
-        <p:nvPr/>
-      </p:nvGrpSpPr>
-      <p:grpSpPr>
-        <a:xfrm>
-          <a:off x="0" y="0"/>
-          <a:ext cx="0" cy="0"/>
-          <a:chOff x="0" y="0"/>
-          <a:chExt cx="0" cy="0"/>
-        </a:xfrm>
-      </p:grpSpPr>
-      <p:sp>
-        <p:nvSpPr>
-          <p:cNvPr id="2" name="Titre 1"/>
-          <p:cNvSpPr>
-            <a:spLocks noGrp="1"/>
-          </p:cNvSpPr>
-          <p:nvPr>
-            <p:ph type="title"/>
-          </p:nvPr>
-        </p:nvSpPr>
-        <p:spPr/>
-        <p:txBody>
-          <a:bodyPr/>
-          <a:lstStyle/>
-          <a:p>
-            <a:r>
-              <a:rPr lang="fr-FR" dirty="0" smtClean="0"/>
-              <a:t>Data Science</a:t>
-            </a:r>
-            <a:endParaRPr lang="fr-FR" dirty="0"/>
-          </a:p>
-        </p:txBody>
-      </p:sp>
-      <p:sp>
-        <p:nvSpPr>
-          <p:cNvPr id="3" name="Espace réservé du contenu 2"/>
-          <p:cNvSpPr>
-            <a:spLocks noGrp="1"/>
-          </p:cNvSpPr>
-          <p:nvPr>
-            <p:ph idx="1"/>
-          </p:nvPr>
-        </p:nvSpPr>
-        <p:spPr/>
-        <p:txBody>
-          <a:bodyPr/>
-          <a:lstStyle/>
-          <a:p>
-            <a:r>
-              <a:rPr lang="fr-FR" dirty="0"/>
-              <a:t>L</a:t>
-            </a:r>
-            <a:r>
-              <a:rPr lang="fr-FR" dirty="0" smtClean="0"/>
-              <a:t>a </a:t>
-            </a:r>
-            <a:r>
-              <a:rPr lang="fr-FR" dirty="0"/>
-              <a:t>science des données est l'extraction de connaissance d'ensembles de </a:t>
-            </a:r>
-            <a:r>
-              <a:rPr lang="fr-FR" dirty="0" smtClean="0"/>
-              <a:t>données</a:t>
-            </a:r>
-          </a:p>
-          <a:p>
-            <a:r>
-              <a:rPr lang="fr-FR" dirty="0" smtClean="0"/>
-              <a:t>Elle </a:t>
-            </a:r>
-            <a:r>
-              <a:rPr lang="fr-FR" dirty="0"/>
-              <a:t>emploie des techniques et des théories tirées de plusieurs autres domaines plus </a:t>
-            </a:r>
-            <a:r>
-              <a:rPr lang="fr-FR" dirty="0" smtClean="0"/>
-              <a:t>larges :</a:t>
-            </a:r>
-          </a:p>
-          <a:p>
-            <a:pPr lvl="1"/>
-            <a:r>
-              <a:rPr lang="fr-FR" dirty="0" smtClean="0"/>
-              <a:t>des </a:t>
-            </a:r>
-            <a:r>
-              <a:rPr lang="fr-FR" dirty="0"/>
-              <a:t>mathématiques, la statistique principalement, la théorie de l'information et la technologie de l'information, notamment le traitement de signal, des modèles probabilistes, l'apprentissage automatique, l'apprentissage statistique, la programmation informatique, l'ingénierie de données, la reconnaissance de formes et l'apprentissage, la visualisation, l'analytique prophétique, la modélisation d'incertitude, le stockage de données, </a:t>
-            </a:r>
-            <a:r>
-              <a:rPr lang="fr-FR" dirty="0" smtClean="0"/>
-              <a:t>…</a:t>
-            </a:r>
-          </a:p>
-        </p:txBody>
-      </p:sp>
-    </p:spTree>
-    <p:extLst>
-      <p:ext uri="{BB962C8B-B14F-4D97-AF65-F5344CB8AC3E}">
-        <p14:creationId xmlns:p14="http://schemas.microsoft.com/office/powerpoint/2010/main" val="2232250790"/>
-      </p:ext>
-    </p:extLst>
-  </p:cSld>
-  <p:clrMapOvr>
-    <a:masterClrMapping/>
-  </p:clrMapOvr>
-</p:sld>
-</file>
-
 <file path=ppt/slides/slide12.xml><?xml version="1.0" encoding="utf-8"?>
 <p:sld xmlns:a="http://schemas.openxmlformats.org/drawingml/2006/main" xmlns:r="http://schemas.openxmlformats.org/officeDocument/2006/relationships" xmlns:p="http://schemas.openxmlformats.org/presentationml/2006/main">
   <p:cSld>
@@ -4065,81 +4026,49 @@
           <a:lstStyle/>
           <a:p>
             <a:r>
-              <a:rPr lang="fr-FR" dirty="0" smtClean="0"/>
-              <a:t>S’appuie sur plusieurs technologies</a:t>
-            </a:r>
-          </a:p>
-          <a:p>
-            <a:r>
-              <a:rPr lang="fr-FR" dirty="0" smtClean="0"/>
-              <a:t>Développement</a:t>
+              <a:rPr lang="fr-FR" dirty="0"/>
+              <a:t>L</a:t>
+            </a:r>
+            <a:r>
+              <a:rPr lang="fr-FR" dirty="0" smtClean="0"/>
+              <a:t>a </a:t>
+            </a:r>
+            <a:r>
+              <a:rPr lang="fr-FR" dirty="0"/>
+              <a:t>science des données est l'extraction de connaissance d'ensembles de </a:t>
+            </a:r>
+            <a:r>
+              <a:rPr lang="fr-FR" dirty="0" smtClean="0"/>
+              <a:t>données</a:t>
+            </a:r>
+          </a:p>
+          <a:p>
+            <a:r>
+              <a:rPr lang="fr-FR" dirty="0" smtClean="0"/>
+              <a:t>Elle </a:t>
+            </a:r>
+            <a:r>
+              <a:rPr lang="fr-FR" dirty="0"/>
+              <a:t>emploie des techniques et des théories tirées de plusieurs autres domaines plus </a:t>
+            </a:r>
+            <a:r>
+              <a:rPr lang="fr-FR" dirty="0" smtClean="0"/>
+              <a:t>larges :</a:t>
             </a:r>
           </a:p>
           <a:p>
             <a:pPr lvl="1"/>
             <a:r>
               <a:rPr lang="fr-FR" dirty="0" smtClean="0"/>
-              <a:t>Python, R</a:t>
-            </a:r>
-          </a:p>
-          <a:p>
-            <a:r>
-              <a:rPr lang="fr-FR" dirty="0" smtClean="0"/>
-              <a:t>Stockage</a:t>
-            </a:r>
-          </a:p>
-          <a:p>
-            <a:pPr lvl="1"/>
-            <a:r>
-              <a:rPr lang="fr-FR" dirty="0" smtClean="0"/>
-              <a:t>File, Base de données, </a:t>
-            </a:r>
-            <a:r>
-              <a:rPr lang="fr-FR" dirty="0" err="1" smtClean="0"/>
-              <a:t>Big</a:t>
-            </a:r>
-            <a:r>
-              <a:rPr lang="fr-FR" dirty="0" smtClean="0"/>
-              <a:t> Data</a:t>
-            </a:r>
-          </a:p>
-          <a:p>
-            <a:r>
-              <a:rPr lang="fr-FR" dirty="0" smtClean="0"/>
-              <a:t>Statistique</a:t>
-            </a:r>
-          </a:p>
-          <a:p>
-            <a:pPr lvl="1"/>
-            <a:r>
-              <a:rPr lang="fr-FR" dirty="0" smtClean="0"/>
-              <a:t>Régression, Randomisation</a:t>
-            </a:r>
-          </a:p>
-          <a:p>
-            <a:r>
-              <a:rPr lang="fr-FR" dirty="0" smtClean="0"/>
-              <a:t>Math</a:t>
-            </a:r>
-          </a:p>
-          <a:p>
-            <a:pPr lvl="1"/>
-            <a:r>
-              <a:rPr lang="fr-FR" dirty="0" smtClean="0"/>
-              <a:t>Algèbre linéaire</a:t>
-            </a:r>
-          </a:p>
-          <a:p>
-            <a:r>
-              <a:rPr lang="fr-FR" dirty="0" smtClean="0"/>
-              <a:t>IA</a:t>
-            </a:r>
-          </a:p>
-          <a:p>
-            <a:pPr lvl="1"/>
-            <a:r>
-              <a:rPr lang="fr-FR" dirty="0" smtClean="0"/>
-              <a:t>Heuristiques, Réseaux neuronaux</a:t>
+              <a:t>des </a:t>
+            </a:r>
+            <a:r>
+              <a:rPr lang="fr-FR" dirty="0"/>
+              <a:t>mathématiques, la statistique principalement, la théorie de l'information et la technologie de l'information, notamment le traitement de signal, des modèles probabilistes, l'apprentissage automatique, l'apprentissage statistique, la programmation informatique, l'ingénierie de données, la reconnaissance de formes et l'apprentissage, la visualisation, l'analytique prophétique, la modélisation d'incertitude, le stockage de données, </a:t>
+            </a:r>
+            <a:r>
+              <a:rPr lang="fr-FR" dirty="0" smtClean="0"/>
+              <a:t>…</a:t>
             </a:r>
           </a:p>
         </p:txBody>
@@ -4147,7 +4076,7 @@
     </p:spTree>
     <p:extLst>
       <p:ext uri="{BB962C8B-B14F-4D97-AF65-F5344CB8AC3E}">
-        <p14:creationId xmlns:p14="http://schemas.microsoft.com/office/powerpoint/2010/main" val="500440593"/>
+        <p14:creationId xmlns:p14="http://schemas.microsoft.com/office/powerpoint/2010/main" val="2232250790"/>
       </p:ext>
     </p:extLst>
   </p:cSld>
@@ -4191,40 +4120,111 @@
           <a:p>
             <a:r>
               <a:rPr lang="fr-FR" dirty="0" smtClean="0"/>
-              <a:t>Opérations algébriques de bases</a:t>
+              <a:t>Data Science</a:t>
             </a:r>
             <a:endParaRPr lang="fr-FR" dirty="0"/>
           </a:p>
         </p:txBody>
       </p:sp>
-      <p:pic>
-        <p:nvPicPr>
-          <p:cNvPr id="4" name="Image 3"/>
-          <p:cNvPicPr>
-            <a:picLocks noChangeAspect="1"/>
-          </p:cNvPicPr>
-          <p:nvPr/>
-        </p:nvPicPr>
-        <p:blipFill>
-          <a:blip r:embed="rId2"/>
-          <a:stretch>
-            <a:fillRect/>
-          </a:stretch>
-        </p:blipFill>
-        <p:spPr>
-          <a:xfrm>
-            <a:off x="1259632" y="908720"/>
-            <a:ext cx="6120680" cy="5604892"/>
-          </a:xfrm>
-          <a:prstGeom prst="rect">
-            <a:avLst/>
-          </a:prstGeom>
-        </p:spPr>
-      </p:pic>
+      <p:sp>
+        <p:nvSpPr>
+          <p:cNvPr id="3" name="Espace réservé du contenu 2"/>
+          <p:cNvSpPr>
+            <a:spLocks noGrp="1"/>
+          </p:cNvSpPr>
+          <p:nvPr>
+            <p:ph idx="1"/>
+          </p:nvPr>
+        </p:nvSpPr>
+        <p:spPr/>
+        <p:txBody>
+          <a:bodyPr/>
+          <a:lstStyle/>
+          <a:p>
+            <a:r>
+              <a:rPr lang="fr-FR" dirty="0" smtClean="0"/>
+              <a:t>S’appuie sur plusieurs technologies</a:t>
+            </a:r>
+          </a:p>
+          <a:p>
+            <a:r>
+              <a:rPr lang="fr-FR" dirty="0" smtClean="0"/>
+              <a:t>Développement</a:t>
+            </a:r>
+          </a:p>
+          <a:p>
+            <a:pPr lvl="1"/>
+            <a:r>
+              <a:rPr lang="fr-FR" dirty="0" smtClean="0"/>
+              <a:t>Python, R</a:t>
+            </a:r>
+          </a:p>
+          <a:p>
+            <a:r>
+              <a:rPr lang="fr-FR" dirty="0" smtClean="0"/>
+              <a:t>Stockage</a:t>
+            </a:r>
+          </a:p>
+          <a:p>
+            <a:pPr lvl="1"/>
+            <a:r>
+              <a:rPr lang="fr-FR" dirty="0" smtClean="0"/>
+              <a:t>File, Base de données, </a:t>
+            </a:r>
+            <a:r>
+              <a:rPr lang="fr-FR" dirty="0" err="1" smtClean="0"/>
+              <a:t>Big</a:t>
+            </a:r>
+            <a:r>
+              <a:rPr lang="fr-FR" dirty="0" smtClean="0"/>
+              <a:t> Data</a:t>
+            </a:r>
+          </a:p>
+          <a:p>
+            <a:r>
+              <a:rPr lang="fr-FR" dirty="0" smtClean="0"/>
+              <a:t>Statistique</a:t>
+            </a:r>
+          </a:p>
+          <a:p>
+            <a:pPr lvl="1"/>
+            <a:r>
+              <a:rPr lang="fr-FR" dirty="0" smtClean="0"/>
+              <a:t>Régression, Randomisation</a:t>
+            </a:r>
+          </a:p>
+          <a:p>
+            <a:r>
+              <a:rPr lang="fr-FR" dirty="0" smtClean="0"/>
+              <a:t>Math</a:t>
+            </a:r>
+          </a:p>
+          <a:p>
+            <a:pPr lvl="1"/>
+            <a:r>
+              <a:rPr lang="fr-FR" dirty="0" smtClean="0"/>
+              <a:t>Algèbre linéaire</a:t>
+            </a:r>
+          </a:p>
+          <a:p>
+            <a:r>
+              <a:rPr lang="fr-FR" dirty="0" smtClean="0"/>
+              <a:t>IA</a:t>
+            </a:r>
+          </a:p>
+          <a:p>
+            <a:pPr lvl="1"/>
+            <a:r>
+              <a:rPr lang="fr-FR" dirty="0" smtClean="0"/>
+              <a:t>Heuristiques, Réseaux neuronaux</a:t>
+            </a:r>
+          </a:p>
+        </p:txBody>
+      </p:sp>
     </p:spTree>
     <p:extLst>
       <p:ext uri="{BB962C8B-B14F-4D97-AF65-F5344CB8AC3E}">
-        <p14:creationId xmlns:p14="http://schemas.microsoft.com/office/powerpoint/2010/main" val="1223722583"/>
+        <p14:creationId xmlns:p14="http://schemas.microsoft.com/office/powerpoint/2010/main" val="500440593"/>
       </p:ext>
     </p:extLst>
   </p:cSld>
@@ -4305,15 +4305,7 @@
             <a:pPr lvl="1"/>
             <a:r>
               <a:rPr lang="fr-FR" dirty="0" smtClean="0"/>
-              <a:t>En R tout est vecteur, </a:t>
-            </a:r>
-            <a:r>
-              <a:rPr lang="fr-FR" dirty="0" smtClean="0"/>
-              <a:t>même </a:t>
-            </a:r>
-            <a:r>
-              <a:rPr lang="fr-FR" dirty="0" smtClean="0"/>
-              <a:t>les nombres et ou les chaînes simples</a:t>
+              <a:t>En R tout est vecteur, même les nombres et ou les chaînes simples</a:t>
             </a:r>
             <a:endParaRPr lang="fr-FR" dirty="0"/>
           </a:p>
@@ -5956,11 +5948,7 @@
           <a:p>
             <a:r>
               <a:rPr lang="fr-FR" sz="2400" dirty="0" smtClean="0"/>
-              <a:t>R 3.5 : </a:t>
-            </a:r>
-            <a:r>
-              <a:rPr lang="fr-FR" sz="2400" dirty="0" smtClean="0"/>
-              <a:t>2018</a:t>
+              <a:t>R 3.5 : 2018</a:t>
             </a:r>
           </a:p>
           <a:p>
@@ -5968,7 +5956,6 @@
               <a:rPr lang="fr-FR" sz="2400" dirty="0" smtClean="0"/>
               <a:t>R 3.6 : 2019</a:t>
             </a:r>
-            <a:endParaRPr lang="fr-FR" sz="2400" dirty="0" smtClean="0"/>
           </a:p>
           <a:p>
             <a:endParaRPr lang="fr-FR" sz="2400" dirty="0"/>

--- a/ppt/R-01-Intro.pptx
+++ b/ppt/R-01-Intro.pptx
@@ -21,10 +21,10 @@
     <p:sldId id="270" r:id="rId9"/>
     <p:sldId id="271" r:id="rId10"/>
     <p:sldId id="298" r:id="rId11"/>
-    <p:sldId id="287" r:id="rId12"/>
-    <p:sldId id="288" r:id="rId13"/>
-    <p:sldId id="289" r:id="rId14"/>
-    <p:sldId id="299" r:id="rId15"/>
+    <p:sldId id="303" r:id="rId12"/>
+    <p:sldId id="287" r:id="rId13"/>
+    <p:sldId id="288" r:id="rId14"/>
+    <p:sldId id="289" r:id="rId15"/>
     <p:sldId id="290" r:id="rId16"/>
     <p:sldId id="291" r:id="rId17"/>
     <p:sldId id="292" r:id="rId18"/>
@@ -3896,6 +3896,96 @@
           <a:lstStyle/>
           <a:p>
             <a:r>
+              <a:rPr lang="fr-FR" dirty="0" smtClean="0"/>
+              <a:t>[1]</a:t>
+            </a:r>
+            <a:endParaRPr lang="fr-FR" dirty="0"/>
+          </a:p>
+        </p:txBody>
+      </p:sp>
+      <p:sp>
+        <p:nvSpPr>
+          <p:cNvPr id="3" name="Espace réservé du contenu 2"/>
+          <p:cNvSpPr>
+            <a:spLocks noGrp="1"/>
+          </p:cNvSpPr>
+          <p:nvPr>
+            <p:ph idx="1"/>
+          </p:nvPr>
+        </p:nvSpPr>
+        <p:spPr/>
+        <p:txBody>
+          <a:bodyPr/>
+          <a:lstStyle/>
+          <a:p>
+            <a:r>
+              <a:rPr lang="fr-FR" dirty="0" smtClean="0"/>
+              <a:t>[1] signifie que R vous affiche l'index 1 du vecteur en cours</a:t>
+            </a:r>
+          </a:p>
+          <a:p>
+            <a:pPr lvl="1"/>
+            <a:r>
+              <a:rPr lang="fr-FR" dirty="0" smtClean="0"/>
+              <a:t>Voir chapitre 5</a:t>
+            </a:r>
+          </a:p>
+          <a:p>
+            <a:pPr lvl="1"/>
+            <a:r>
+              <a:rPr lang="fr-FR" dirty="0" smtClean="0"/>
+              <a:t>En R tout est vecteur, même les nombres et ou les chaînes simples</a:t>
+            </a:r>
+            <a:endParaRPr lang="fr-FR" dirty="0"/>
+          </a:p>
+        </p:txBody>
+      </p:sp>
+    </p:spTree>
+    <p:extLst>
+      <p:ext uri="{BB962C8B-B14F-4D97-AF65-F5344CB8AC3E}">
+        <p14:creationId xmlns:p14="http://schemas.microsoft.com/office/powerpoint/2010/main" val="1394850058"/>
+      </p:ext>
+    </p:extLst>
+  </p:cSld>
+  <p:clrMapOvr>
+    <a:masterClrMapping/>
+  </p:clrMapOvr>
+</p:sld>
+</file>
+
+<file path=ppt/slides/slide12.xml><?xml version="1.0" encoding="utf-8"?>
+<p:sld xmlns:a="http://schemas.openxmlformats.org/drawingml/2006/main" xmlns:r="http://schemas.openxmlformats.org/officeDocument/2006/relationships" xmlns:p="http://schemas.openxmlformats.org/presentationml/2006/main">
+  <p:cSld>
+    <p:spTree>
+      <p:nvGrpSpPr>
+        <p:cNvPr id="1" name=""/>
+        <p:cNvGrpSpPr/>
+        <p:nvPr/>
+      </p:nvGrpSpPr>
+      <p:grpSpPr>
+        <a:xfrm>
+          <a:off x="0" y="0"/>
+          <a:ext cx="0" cy="0"/>
+          <a:chOff x="0" y="0"/>
+          <a:chExt cx="0" cy="0"/>
+        </a:xfrm>
+      </p:grpSpPr>
+      <p:sp>
+        <p:nvSpPr>
+          <p:cNvPr id="2" name="Titre 1"/>
+          <p:cNvSpPr>
+            <a:spLocks noGrp="1"/>
+          </p:cNvSpPr>
+          <p:nvPr>
+            <p:ph type="title"/>
+          </p:nvPr>
+        </p:nvSpPr>
+        <p:spPr/>
+        <p:txBody>
+          <a:bodyPr/>
+          <a:lstStyle/>
+          <a:p>
+            <a:r>
               <a:rPr lang="fr-FR" dirty="0" err="1" smtClean="0"/>
               <a:t>RGui</a:t>
             </a:r>
@@ -3970,122 +4060,6 @@
 </p:sld>
 </file>
 
-<file path=ppt/slides/slide12.xml><?xml version="1.0" encoding="utf-8"?>
-<p:sld xmlns:a="http://schemas.openxmlformats.org/drawingml/2006/main" xmlns:r="http://schemas.openxmlformats.org/officeDocument/2006/relationships" xmlns:p="http://schemas.openxmlformats.org/presentationml/2006/main">
-  <p:cSld>
-    <p:spTree>
-      <p:nvGrpSpPr>
-        <p:cNvPr id="1" name=""/>
-        <p:cNvGrpSpPr/>
-        <p:nvPr/>
-      </p:nvGrpSpPr>
-      <p:grpSpPr>
-        <a:xfrm>
-          <a:off x="0" y="0"/>
-          <a:ext cx="0" cy="0"/>
-          <a:chOff x="0" y="0"/>
-          <a:chExt cx="0" cy="0"/>
-        </a:xfrm>
-      </p:grpSpPr>
-      <p:sp>
-        <p:nvSpPr>
-          <p:cNvPr id="2" name="Titre 1"/>
-          <p:cNvSpPr>
-            <a:spLocks noGrp="1"/>
-          </p:cNvSpPr>
-          <p:nvPr>
-            <p:ph type="title"/>
-          </p:nvPr>
-        </p:nvSpPr>
-        <p:spPr/>
-        <p:txBody>
-          <a:bodyPr/>
-          <a:lstStyle/>
-          <a:p>
-            <a:r>
-              <a:rPr lang="fr-FR" dirty="0" smtClean="0"/>
-              <a:t>Data Science</a:t>
-            </a:r>
-            <a:endParaRPr lang="fr-FR" dirty="0"/>
-          </a:p>
-        </p:txBody>
-      </p:sp>
-      <p:sp>
-        <p:nvSpPr>
-          <p:cNvPr id="3" name="Espace réservé du contenu 2"/>
-          <p:cNvSpPr>
-            <a:spLocks noGrp="1"/>
-          </p:cNvSpPr>
-          <p:nvPr>
-            <p:ph idx="1"/>
-          </p:nvPr>
-        </p:nvSpPr>
-        <p:spPr/>
-        <p:txBody>
-          <a:bodyPr/>
-          <a:lstStyle/>
-          <a:p>
-            <a:r>
-              <a:rPr lang="fr-FR" dirty="0"/>
-              <a:t>L</a:t>
-            </a:r>
-            <a:r>
-              <a:rPr lang="fr-FR" dirty="0" smtClean="0"/>
-              <a:t>a </a:t>
-            </a:r>
-            <a:r>
-              <a:rPr lang="fr-FR" dirty="0"/>
-              <a:t>science des données est l'extraction de connaissance d'ensembles de </a:t>
-            </a:r>
-            <a:r>
-              <a:rPr lang="fr-FR" dirty="0" smtClean="0"/>
-              <a:t>données</a:t>
-            </a:r>
-          </a:p>
-          <a:p>
-            <a:r>
-              <a:rPr lang="fr-FR" dirty="0" smtClean="0"/>
-              <a:t>Elle </a:t>
-            </a:r>
-            <a:r>
-              <a:rPr lang="fr-FR" dirty="0"/>
-              <a:t>emploie des techniques et des théories tirées de plusieurs autres domaines plus </a:t>
-            </a:r>
-            <a:r>
-              <a:rPr lang="fr-FR" dirty="0" smtClean="0"/>
-              <a:t>larges :</a:t>
-            </a:r>
-          </a:p>
-          <a:p>
-            <a:pPr lvl="1"/>
-            <a:r>
-              <a:rPr lang="fr-FR" dirty="0" smtClean="0"/>
-              <a:t>des </a:t>
-            </a:r>
-            <a:r>
-              <a:rPr lang="fr-FR" dirty="0"/>
-              <a:t>mathématiques, la statistique principalement, la théorie de l'information et la technologie de l'information, notamment le traitement de signal, des modèles probabilistes, l'apprentissage automatique, l'apprentissage statistique, la programmation informatique, l'ingénierie de données, la reconnaissance de formes et l'apprentissage, la visualisation, l'analytique prophétique, la modélisation d'incertitude, le stockage de données, </a:t>
-            </a:r>
-            <a:r>
-              <a:rPr lang="fr-FR" dirty="0" smtClean="0"/>
-              <a:t>…</a:t>
-            </a:r>
-          </a:p>
-        </p:txBody>
-      </p:sp>
-    </p:spTree>
-    <p:extLst>
-      <p:ext uri="{BB962C8B-B14F-4D97-AF65-F5344CB8AC3E}">
-        <p14:creationId xmlns:p14="http://schemas.microsoft.com/office/powerpoint/2010/main" val="2232250790"/>
-      </p:ext>
-    </p:extLst>
-  </p:cSld>
-  <p:clrMapOvr>
-    <a:masterClrMapping/>
-  </p:clrMapOvr>
-</p:sld>
-</file>
-
 <file path=ppt/slides/slide13.xml><?xml version="1.0" encoding="utf-8"?>
 <p:sld xmlns:a="http://schemas.openxmlformats.org/drawingml/2006/main" xmlns:r="http://schemas.openxmlformats.org/officeDocument/2006/relationships" xmlns:p="http://schemas.openxmlformats.org/presentationml/2006/main">
   <p:cSld>
@@ -4142,81 +4116,49 @@
           <a:lstStyle/>
           <a:p>
             <a:r>
-              <a:rPr lang="fr-FR" dirty="0" smtClean="0"/>
-              <a:t>S’appuie sur plusieurs technologies</a:t>
-            </a:r>
-          </a:p>
-          <a:p>
-            <a:r>
-              <a:rPr lang="fr-FR" dirty="0" smtClean="0"/>
-              <a:t>Développement</a:t>
+              <a:rPr lang="fr-FR" dirty="0"/>
+              <a:t>L</a:t>
+            </a:r>
+            <a:r>
+              <a:rPr lang="fr-FR" dirty="0" smtClean="0"/>
+              <a:t>a </a:t>
+            </a:r>
+            <a:r>
+              <a:rPr lang="fr-FR" dirty="0"/>
+              <a:t>science des données est l'extraction de connaissance d'ensembles de </a:t>
+            </a:r>
+            <a:r>
+              <a:rPr lang="fr-FR" dirty="0" smtClean="0"/>
+              <a:t>données</a:t>
+            </a:r>
+          </a:p>
+          <a:p>
+            <a:r>
+              <a:rPr lang="fr-FR" dirty="0" smtClean="0"/>
+              <a:t>Elle </a:t>
+            </a:r>
+            <a:r>
+              <a:rPr lang="fr-FR" dirty="0"/>
+              <a:t>emploie des techniques et des théories tirées de plusieurs autres domaines plus </a:t>
+            </a:r>
+            <a:r>
+              <a:rPr lang="fr-FR" dirty="0" smtClean="0"/>
+              <a:t>larges :</a:t>
             </a:r>
           </a:p>
           <a:p>
             <a:pPr lvl="1"/>
             <a:r>
               <a:rPr lang="fr-FR" dirty="0" smtClean="0"/>
-              <a:t>Python, R</a:t>
-            </a:r>
-          </a:p>
-          <a:p>
-            <a:r>
-              <a:rPr lang="fr-FR" dirty="0" smtClean="0"/>
-              <a:t>Stockage</a:t>
-            </a:r>
-          </a:p>
-          <a:p>
-            <a:pPr lvl="1"/>
-            <a:r>
-              <a:rPr lang="fr-FR" dirty="0" smtClean="0"/>
-              <a:t>File, Base de données, </a:t>
-            </a:r>
-            <a:r>
-              <a:rPr lang="fr-FR" dirty="0" err="1" smtClean="0"/>
-              <a:t>Big</a:t>
-            </a:r>
-            <a:r>
-              <a:rPr lang="fr-FR" dirty="0" smtClean="0"/>
-              <a:t> Data</a:t>
-            </a:r>
-          </a:p>
-          <a:p>
-            <a:r>
-              <a:rPr lang="fr-FR" dirty="0" smtClean="0"/>
-              <a:t>Statistique</a:t>
-            </a:r>
-          </a:p>
-          <a:p>
-            <a:pPr lvl="1"/>
-            <a:r>
-              <a:rPr lang="fr-FR" dirty="0" smtClean="0"/>
-              <a:t>Régression, Randomisation</a:t>
-            </a:r>
-          </a:p>
-          <a:p>
-            <a:r>
-              <a:rPr lang="fr-FR" dirty="0" smtClean="0"/>
-              <a:t>Math</a:t>
-            </a:r>
-          </a:p>
-          <a:p>
-            <a:pPr lvl="1"/>
-            <a:r>
-              <a:rPr lang="fr-FR" dirty="0" smtClean="0"/>
-              <a:t>Algèbre linéaire</a:t>
-            </a:r>
-          </a:p>
-          <a:p>
-            <a:r>
-              <a:rPr lang="fr-FR" dirty="0" smtClean="0"/>
-              <a:t>IA</a:t>
-            </a:r>
-          </a:p>
-          <a:p>
-            <a:pPr lvl="1"/>
-            <a:r>
-              <a:rPr lang="fr-FR" dirty="0" smtClean="0"/>
-              <a:t>Heuristiques, Réseaux neuronaux</a:t>
+              <a:t>des </a:t>
+            </a:r>
+            <a:r>
+              <a:rPr lang="fr-FR" dirty="0"/>
+              <a:t>mathématiques, la statistique principalement, la théorie de l'information et la technologie de l'information, notamment le traitement de signal, des modèles probabilistes, l'apprentissage automatique, l'apprentissage statistique, la programmation informatique, l'ingénierie de données, la reconnaissance de formes et l'apprentissage, la visualisation, l'analytique prophétique, la modélisation d'incertitude, le stockage de données, </a:t>
+            </a:r>
+            <a:r>
+              <a:rPr lang="fr-FR" dirty="0" smtClean="0"/>
+              <a:t>…</a:t>
             </a:r>
           </a:p>
         </p:txBody>
@@ -4224,7 +4166,7 @@
     </p:spTree>
     <p:extLst>
       <p:ext uri="{BB962C8B-B14F-4D97-AF65-F5344CB8AC3E}">
-        <p14:creationId xmlns:p14="http://schemas.microsoft.com/office/powerpoint/2010/main" val="500440593"/>
+        <p14:creationId xmlns:p14="http://schemas.microsoft.com/office/powerpoint/2010/main" val="2232250790"/>
       </p:ext>
     </p:extLst>
   </p:cSld>
@@ -4268,7 +4210,7 @@
           <a:p>
             <a:r>
               <a:rPr lang="fr-FR" dirty="0" smtClean="0"/>
-              <a:t>[1]</a:t>
+              <a:t>Data Science</a:t>
             </a:r>
             <a:endParaRPr lang="fr-FR" dirty="0"/>
           </a:p>
@@ -4291,30 +4233,88 @@
           <a:p>
             <a:r>
               <a:rPr lang="fr-FR" dirty="0" smtClean="0"/>
-              <a:t>[1] signifie que R vous affiche l'index 1 du vecteur en cours</a:t>
+              <a:t>S’appuie sur plusieurs technologies</a:t>
+            </a:r>
+          </a:p>
+          <a:p>
+            <a:r>
+              <a:rPr lang="fr-FR" dirty="0" smtClean="0"/>
+              <a:t>Développement</a:t>
             </a:r>
           </a:p>
           <a:p>
             <a:pPr lvl="1"/>
             <a:r>
               <a:rPr lang="fr-FR" dirty="0" smtClean="0"/>
-              <a:t>Voir chapitre 5</a:t>
+              <a:t>Python, R</a:t>
+            </a:r>
+          </a:p>
+          <a:p>
+            <a:r>
+              <a:rPr lang="fr-FR" dirty="0" smtClean="0"/>
+              <a:t>Stockage</a:t>
             </a:r>
           </a:p>
           <a:p>
             <a:pPr lvl="1"/>
             <a:r>
               <a:rPr lang="fr-FR" dirty="0" smtClean="0"/>
-              <a:t>En R tout est vecteur, même les nombres et ou les chaînes simples</a:t>
-            </a:r>
-            <a:endParaRPr lang="fr-FR" dirty="0"/>
+              <a:t>File, Base de données, </a:t>
+            </a:r>
+            <a:r>
+              <a:rPr lang="fr-FR" dirty="0" err="1" smtClean="0"/>
+              <a:t>Big</a:t>
+            </a:r>
+            <a:r>
+              <a:rPr lang="fr-FR" dirty="0" smtClean="0"/>
+              <a:t> Data</a:t>
+            </a:r>
+          </a:p>
+          <a:p>
+            <a:r>
+              <a:rPr lang="fr-FR" dirty="0" smtClean="0"/>
+              <a:t>Statistique</a:t>
+            </a:r>
+          </a:p>
+          <a:p>
+            <a:pPr lvl="1"/>
+            <a:r>
+              <a:rPr lang="fr-FR" dirty="0" smtClean="0"/>
+              <a:t>Régression, Randomisation</a:t>
+            </a:r>
+          </a:p>
+          <a:p>
+            <a:r>
+              <a:rPr lang="fr-FR" dirty="0" smtClean="0"/>
+              <a:t>Math</a:t>
+            </a:r>
+          </a:p>
+          <a:p>
+            <a:pPr lvl="1"/>
+            <a:r>
+              <a:rPr lang="fr-FR" dirty="0" smtClean="0"/>
+              <a:t>Algèbre linéaire</a:t>
+            </a:r>
+          </a:p>
+          <a:p>
+            <a:r>
+              <a:rPr lang="fr-FR" dirty="0" smtClean="0"/>
+              <a:t>IA</a:t>
+            </a:r>
+          </a:p>
+          <a:p>
+            <a:pPr lvl="1"/>
+            <a:r>
+              <a:rPr lang="fr-FR" dirty="0" smtClean="0"/>
+              <a:t>Heuristiques, Réseaux neuronaux</a:t>
+            </a:r>
           </a:p>
         </p:txBody>
       </p:sp>
     </p:spTree>
     <p:extLst>
       <p:ext uri="{BB962C8B-B14F-4D97-AF65-F5344CB8AC3E}">
-        <p14:creationId xmlns:p14="http://schemas.microsoft.com/office/powerpoint/2010/main" val="1750896785"/>
+        <p14:creationId xmlns:p14="http://schemas.microsoft.com/office/powerpoint/2010/main" val="500440593"/>
       </p:ext>
     </p:extLst>
   </p:cSld>

--- a/ppt/R-01-Intro.pptx
+++ b/ppt/R-01-Intro.pptx
@@ -5690,6 +5690,13 @@
   <p:clrMapOvr>
     <a:masterClrMapping/>
   </p:clrMapOvr>
+  <p:timing>
+    <p:tnLst>
+      <p:par>
+        <p:cTn id="1" dur="indefinite" restart="never" nodeType="tmRoot"/>
+      </p:par>
+    </p:tnLst>
+  </p:timing>
 </p:sld>
 </file>
 
@@ -5963,7 +5970,19 @@
           <a:p>
             <a:r>
               <a:rPr lang="fr-FR" sz="2400" dirty="0" smtClean="0"/>
-              <a:t>Existe pour Windows , Mac, Linux</a:t>
+              <a:t>Existe </a:t>
+            </a:r>
+            <a:r>
+              <a:rPr lang="fr-FR" sz="2400" smtClean="0"/>
+              <a:t>pour </a:t>
+            </a:r>
+            <a:r>
+              <a:rPr lang="fr-FR" sz="2400" smtClean="0"/>
+              <a:t>Windows, </a:t>
+            </a:r>
+            <a:r>
+              <a:rPr lang="fr-FR" sz="2400" dirty="0" smtClean="0"/>
+              <a:t>Mac, Linux</a:t>
             </a:r>
           </a:p>
           <a:p>
@@ -5991,6 +6010,13 @@
   <p:clrMapOvr>
     <a:masterClrMapping/>
   </p:clrMapOvr>
+  <p:timing>
+    <p:tnLst>
+      <p:par>
+        <p:cTn id="1" dur="indefinite" restart="never" nodeType="tmRoot"/>
+      </p:par>
+    </p:tnLst>
+  </p:timing>
 </p:sld>
 </file>
 
@@ -6084,6 +6110,13 @@
   <p:clrMapOvr>
     <a:masterClrMapping/>
   </p:clrMapOvr>
+  <p:timing>
+    <p:tnLst>
+      <p:par>
+        <p:cTn id="1" dur="indefinite" restart="never" nodeType="tmRoot"/>
+      </p:par>
+    </p:tnLst>
+  </p:timing>
 </p:sld>
 </file>
 

--- a/ppt/R-01-Intro.pptx
+++ b/ppt/R-01-Intro.pptx
@@ -5,10 +5,10 @@
     <p:sldMasterId id="2147483653" r:id="rId1"/>
   </p:sldMasterIdLst>
   <p:notesMasterIdLst>
-    <p:notesMasterId r:id="rId25"/>
+    <p:notesMasterId r:id="rId22"/>
   </p:notesMasterIdLst>
   <p:handoutMasterIdLst>
-    <p:handoutMasterId r:id="rId26"/>
+    <p:handoutMasterId r:id="rId23"/>
   </p:handoutMasterIdLst>
   <p:sldIdLst>
     <p:sldId id="264" r:id="rId2"/>
@@ -31,9 +31,6 @@
     <p:sldId id="294" r:id="rId19"/>
     <p:sldId id="296" r:id="rId20"/>
     <p:sldId id="297" r:id="rId21"/>
-    <p:sldId id="300" r:id="rId22"/>
-    <p:sldId id="301" r:id="rId23"/>
-    <p:sldId id="302" r:id="rId24"/>
   </p:sldIdLst>
   <p:sldSz cx="9144000" cy="6858000" type="screen4x3"/>
   <p:notesSz cx="6648450" cy="9782175"/>
@@ -626,35 +623,35 @@
           <a:p>
             <a:pPr lvl="0"/>
             <a:r>
-              <a:rPr lang="fr-FR" noProof="0" smtClean="0"/>
+              <a:rPr lang="fr-FR" noProof="0"/>
               <a:t>Cliquez pour modifier les styles du texte du masque</a:t>
             </a:r>
           </a:p>
           <a:p>
             <a:pPr lvl="1"/>
             <a:r>
-              <a:rPr lang="fr-FR" noProof="0" smtClean="0"/>
+              <a:rPr lang="fr-FR" noProof="0"/>
               <a:t>Deuxième niveau</a:t>
             </a:r>
           </a:p>
           <a:p>
             <a:pPr lvl="2"/>
             <a:r>
-              <a:rPr lang="fr-FR" noProof="0" smtClean="0"/>
+              <a:rPr lang="fr-FR" noProof="0"/>
               <a:t>Troisième niveau</a:t>
             </a:r>
           </a:p>
           <a:p>
             <a:pPr lvl="3"/>
             <a:r>
-              <a:rPr lang="fr-FR" noProof="0" smtClean="0"/>
+              <a:rPr lang="fr-FR" noProof="0"/>
               <a:t>Quatrième niveau</a:t>
             </a:r>
           </a:p>
           <a:p>
             <a:pPr lvl="4"/>
             <a:r>
-              <a:rPr lang="fr-FR" noProof="0" smtClean="0"/>
+              <a:rPr lang="fr-FR" noProof="0"/>
               <a:t>Cinquième niveau</a:t>
             </a:r>
           </a:p>
@@ -942,10 +939,9 @@
           <a:lstStyle/>
           <a:p>
             <a:r>
-              <a:rPr lang="fr-FR" smtClean="0"/>
+              <a:rPr lang="fr-FR"/>
               <a:t>Cliquez pour modifier le style du titre</a:t>
             </a:r>
-            <a:endParaRPr lang="fr-FR"/>
           </a:p>
         </p:txBody>
       </p:sp>
@@ -1007,10 +1003,9 @@
           </a:lstStyle>
           <a:p>
             <a:r>
-              <a:rPr lang="fr-FR" smtClean="0"/>
+              <a:rPr lang="fr-FR"/>
               <a:t>Cliquez pour modifier le style des sous-titres du masque</a:t>
             </a:r>
-            <a:endParaRPr lang="fr-FR"/>
           </a:p>
         </p:txBody>
       </p:sp>
@@ -1065,10 +1060,9 @@
           <a:lstStyle/>
           <a:p>
             <a:r>
-              <a:rPr lang="fr-FR" smtClean="0"/>
+              <a:rPr lang="fr-FR"/>
               <a:t>Cliquez pour modifier le style du titre</a:t>
             </a:r>
-            <a:endParaRPr lang="fr-FR"/>
           </a:p>
         </p:txBody>
       </p:sp>
@@ -1094,38 +1088,37 @@
           <a:p>
             <a:pPr lvl="0"/>
             <a:r>
-              <a:rPr lang="fr-FR" smtClean="0"/>
+              <a:rPr lang="fr-FR"/>
               <a:t>Cliquez pour modifier les styles du texte du masque</a:t>
             </a:r>
           </a:p>
           <a:p>
             <a:pPr lvl="1"/>
             <a:r>
-              <a:rPr lang="fr-FR" smtClean="0"/>
+              <a:rPr lang="fr-FR"/>
               <a:t>Deuxième niveau</a:t>
             </a:r>
           </a:p>
           <a:p>
             <a:pPr lvl="2"/>
             <a:r>
-              <a:rPr lang="fr-FR" smtClean="0"/>
+              <a:rPr lang="fr-FR"/>
               <a:t>Troisième niveau</a:t>
             </a:r>
           </a:p>
           <a:p>
             <a:pPr lvl="3"/>
             <a:r>
-              <a:rPr lang="fr-FR" smtClean="0"/>
+              <a:rPr lang="fr-FR"/>
               <a:t>Quatrième niveau</a:t>
             </a:r>
           </a:p>
           <a:p>
             <a:pPr lvl="4"/>
             <a:r>
-              <a:rPr lang="fr-FR" smtClean="0"/>
+              <a:rPr lang="fr-FR"/>
               <a:t>Cinquième niveau</a:t>
             </a:r>
-            <a:endParaRPr lang="fr-FR"/>
           </a:p>
         </p:txBody>
       </p:sp>
@@ -1184,10 +1177,9 @@
           </a:lstStyle>
           <a:p>
             <a:r>
-              <a:rPr lang="fr-FR" dirty="0" smtClean="0"/>
+              <a:rPr lang="fr-FR" dirty="0"/>
               <a:t>Cliquez pour modifier le style du titre</a:t>
             </a:r>
-            <a:endParaRPr lang="fr-FR" dirty="0"/>
           </a:p>
         </p:txBody>
       </p:sp>
@@ -1213,38 +1205,37 @@
           <a:p>
             <a:pPr lvl="0"/>
             <a:r>
-              <a:rPr lang="fr-FR" dirty="0" smtClean="0"/>
+              <a:rPr lang="fr-FR" dirty="0"/>
               <a:t>Cliquez pour modifier les styles du texte du masque</a:t>
             </a:r>
           </a:p>
           <a:p>
             <a:pPr lvl="1"/>
             <a:r>
-              <a:rPr lang="fr-FR" dirty="0" smtClean="0"/>
+              <a:rPr lang="fr-FR" dirty="0"/>
               <a:t>Deuxième niveau</a:t>
             </a:r>
           </a:p>
           <a:p>
             <a:pPr lvl="2"/>
             <a:r>
-              <a:rPr lang="fr-FR" dirty="0" smtClean="0"/>
+              <a:rPr lang="fr-FR" dirty="0"/>
               <a:t>Troisième niveau</a:t>
             </a:r>
           </a:p>
           <a:p>
             <a:pPr lvl="3"/>
             <a:r>
-              <a:rPr lang="fr-FR" dirty="0" smtClean="0"/>
+              <a:rPr lang="fr-FR" dirty="0"/>
               <a:t>Quatrième niveau</a:t>
             </a:r>
           </a:p>
           <a:p>
             <a:pPr lvl="4"/>
             <a:r>
-              <a:rPr lang="fr-FR" dirty="0" smtClean="0"/>
+              <a:rPr lang="fr-FR" dirty="0"/>
               <a:t>Cinquième niveau</a:t>
             </a:r>
-            <a:endParaRPr lang="fr-FR" dirty="0"/>
           </a:p>
         </p:txBody>
       </p:sp>
@@ -1294,10 +1285,9 @@
           <a:lstStyle/>
           <a:p>
             <a:r>
-              <a:rPr lang="fr-FR" smtClean="0"/>
+              <a:rPr lang="fr-FR"/>
               <a:t>Cliquez pour modifier le style du titre</a:t>
             </a:r>
-            <a:endParaRPr lang="fr-FR"/>
           </a:p>
         </p:txBody>
       </p:sp>
@@ -1351,38 +1341,37 @@
           <a:p>
             <a:pPr lvl="0"/>
             <a:r>
-              <a:rPr lang="fr-FR" smtClean="0"/>
+              <a:rPr lang="fr-FR"/>
               <a:t>Cliquez pour modifier les styles du texte du masque</a:t>
             </a:r>
           </a:p>
           <a:p>
             <a:pPr lvl="1"/>
             <a:r>
-              <a:rPr lang="fr-FR" smtClean="0"/>
+              <a:rPr lang="fr-FR"/>
               <a:t>Deuxième niveau</a:t>
             </a:r>
           </a:p>
           <a:p>
             <a:pPr lvl="2"/>
             <a:r>
-              <a:rPr lang="fr-FR" smtClean="0"/>
+              <a:rPr lang="fr-FR"/>
               <a:t>Troisième niveau</a:t>
             </a:r>
           </a:p>
           <a:p>
             <a:pPr lvl="3"/>
             <a:r>
-              <a:rPr lang="fr-FR" smtClean="0"/>
+              <a:rPr lang="fr-FR"/>
               <a:t>Quatrième niveau</a:t>
             </a:r>
           </a:p>
           <a:p>
             <a:pPr lvl="4"/>
             <a:r>
-              <a:rPr lang="fr-FR" smtClean="0"/>
+              <a:rPr lang="fr-FR"/>
               <a:t>Cinquième niveau</a:t>
             </a:r>
-            <a:endParaRPr lang="fr-FR"/>
           </a:p>
         </p:txBody>
       </p:sp>
@@ -1436,38 +1425,37 @@
           <a:p>
             <a:pPr lvl="0"/>
             <a:r>
-              <a:rPr lang="fr-FR" smtClean="0"/>
+              <a:rPr lang="fr-FR"/>
               <a:t>Cliquez pour modifier les styles du texte du masque</a:t>
             </a:r>
           </a:p>
           <a:p>
             <a:pPr lvl="1"/>
             <a:r>
-              <a:rPr lang="fr-FR" smtClean="0"/>
+              <a:rPr lang="fr-FR"/>
               <a:t>Deuxième niveau</a:t>
             </a:r>
           </a:p>
           <a:p>
             <a:pPr lvl="2"/>
             <a:r>
-              <a:rPr lang="fr-FR" smtClean="0"/>
+              <a:rPr lang="fr-FR"/>
               <a:t>Troisième niveau</a:t>
             </a:r>
           </a:p>
           <a:p>
             <a:pPr lvl="3"/>
             <a:r>
-              <a:rPr lang="fr-FR" smtClean="0"/>
+              <a:rPr lang="fr-FR"/>
               <a:t>Quatrième niveau</a:t>
             </a:r>
           </a:p>
           <a:p>
             <a:pPr lvl="4"/>
             <a:r>
-              <a:rPr lang="fr-FR" smtClean="0"/>
+              <a:rPr lang="fr-FR"/>
               <a:t>Cinquième niveau</a:t>
             </a:r>
-            <a:endParaRPr lang="fr-FR"/>
           </a:p>
         </p:txBody>
       </p:sp>
@@ -1526,10 +1514,9 @@
           </a:lstStyle>
           <a:p>
             <a:r>
-              <a:rPr lang="fr-FR" smtClean="0"/>
+              <a:rPr lang="fr-FR"/>
               <a:t>Cliquez pour modifier le style du titre</a:t>
             </a:r>
-            <a:endParaRPr lang="fr-FR"/>
           </a:p>
         </p:txBody>
       </p:sp>
@@ -1592,7 +1579,7 @@
           <a:p>
             <a:pPr lvl="0"/>
             <a:r>
-              <a:rPr lang="fr-FR" smtClean="0"/>
+              <a:rPr lang="fr-FR"/>
               <a:t>Cliquez pour modifier les styles du texte du masque</a:t>
             </a:r>
           </a:p>
@@ -1648,38 +1635,37 @@
           <a:p>
             <a:pPr lvl="0"/>
             <a:r>
-              <a:rPr lang="fr-FR" smtClean="0"/>
+              <a:rPr lang="fr-FR"/>
               <a:t>Cliquez pour modifier les styles du texte du masque</a:t>
             </a:r>
           </a:p>
           <a:p>
             <a:pPr lvl="1"/>
             <a:r>
-              <a:rPr lang="fr-FR" smtClean="0"/>
+              <a:rPr lang="fr-FR"/>
               <a:t>Deuxième niveau</a:t>
             </a:r>
           </a:p>
           <a:p>
             <a:pPr lvl="2"/>
             <a:r>
-              <a:rPr lang="fr-FR" smtClean="0"/>
+              <a:rPr lang="fr-FR"/>
               <a:t>Troisième niveau</a:t>
             </a:r>
           </a:p>
           <a:p>
             <a:pPr lvl="3"/>
             <a:r>
-              <a:rPr lang="fr-FR" smtClean="0"/>
+              <a:rPr lang="fr-FR"/>
               <a:t>Quatrième niveau</a:t>
             </a:r>
           </a:p>
           <a:p>
             <a:pPr lvl="4"/>
             <a:r>
-              <a:rPr lang="fr-FR" smtClean="0"/>
+              <a:rPr lang="fr-FR"/>
               <a:t>Cinquième niveau</a:t>
             </a:r>
-            <a:endParaRPr lang="fr-FR"/>
           </a:p>
         </p:txBody>
       </p:sp>
@@ -1742,7 +1728,7 @@
           <a:p>
             <a:pPr lvl="0"/>
             <a:r>
-              <a:rPr lang="fr-FR" smtClean="0"/>
+              <a:rPr lang="fr-FR"/>
               <a:t>Cliquez pour modifier les styles du texte du masque</a:t>
             </a:r>
           </a:p>
@@ -1798,38 +1784,37 @@
           <a:p>
             <a:pPr lvl="0"/>
             <a:r>
-              <a:rPr lang="fr-FR" smtClean="0"/>
+              <a:rPr lang="fr-FR"/>
               <a:t>Cliquez pour modifier les styles du texte du masque</a:t>
             </a:r>
           </a:p>
           <a:p>
             <a:pPr lvl="1"/>
             <a:r>
-              <a:rPr lang="fr-FR" smtClean="0"/>
+              <a:rPr lang="fr-FR"/>
               <a:t>Deuxième niveau</a:t>
             </a:r>
           </a:p>
           <a:p>
             <a:pPr lvl="2"/>
             <a:r>
-              <a:rPr lang="fr-FR" smtClean="0"/>
+              <a:rPr lang="fr-FR"/>
               <a:t>Troisième niveau</a:t>
             </a:r>
           </a:p>
           <a:p>
             <a:pPr lvl="3"/>
             <a:r>
-              <a:rPr lang="fr-FR" smtClean="0"/>
+              <a:rPr lang="fr-FR"/>
               <a:t>Quatrième niveau</a:t>
             </a:r>
           </a:p>
           <a:p>
             <a:pPr lvl="4"/>
             <a:r>
-              <a:rPr lang="fr-FR" smtClean="0"/>
+              <a:rPr lang="fr-FR"/>
               <a:t>Cinquième niveau</a:t>
             </a:r>
-            <a:endParaRPr lang="fr-FR"/>
           </a:p>
         </p:txBody>
       </p:sp>
@@ -1879,10 +1864,9 @@
           <a:lstStyle/>
           <a:p>
             <a:r>
-              <a:rPr lang="fr-FR" smtClean="0"/>
+              <a:rPr lang="fr-FR"/>
               <a:t>Cliquez pour modifier le style du titre</a:t>
             </a:r>
-            <a:endParaRPr lang="fr-FR"/>
           </a:p>
         </p:txBody>
       </p:sp>
@@ -1971,10 +1955,9 @@
           </a:lstStyle>
           <a:p>
             <a:r>
-              <a:rPr lang="fr-FR" smtClean="0"/>
+              <a:rPr lang="fr-FR"/>
               <a:t>Cliquez pour modifier le style du titre</a:t>
             </a:r>
-            <a:endParaRPr lang="fr-FR"/>
           </a:p>
         </p:txBody>
       </p:sp>
@@ -2028,38 +2011,37 @@
           <a:p>
             <a:pPr lvl="0"/>
             <a:r>
-              <a:rPr lang="fr-FR" smtClean="0"/>
+              <a:rPr lang="fr-FR"/>
               <a:t>Cliquez pour modifier les styles du texte du masque</a:t>
             </a:r>
           </a:p>
           <a:p>
             <a:pPr lvl="1"/>
             <a:r>
-              <a:rPr lang="fr-FR" smtClean="0"/>
+              <a:rPr lang="fr-FR"/>
               <a:t>Deuxième niveau</a:t>
             </a:r>
           </a:p>
           <a:p>
             <a:pPr lvl="2"/>
             <a:r>
-              <a:rPr lang="fr-FR" smtClean="0"/>
+              <a:rPr lang="fr-FR"/>
               <a:t>Troisième niveau</a:t>
             </a:r>
           </a:p>
           <a:p>
             <a:pPr lvl="3"/>
             <a:r>
-              <a:rPr lang="fr-FR" smtClean="0"/>
+              <a:rPr lang="fr-FR"/>
               <a:t>Quatrième niveau</a:t>
             </a:r>
           </a:p>
           <a:p>
             <a:pPr lvl="4"/>
             <a:r>
-              <a:rPr lang="fr-FR" smtClean="0"/>
+              <a:rPr lang="fr-FR"/>
               <a:t>Cinquième niveau</a:t>
             </a:r>
-            <a:endParaRPr lang="fr-FR"/>
           </a:p>
         </p:txBody>
       </p:sp>
@@ -2122,7 +2104,7 @@
           <a:p>
             <a:pPr lvl="0"/>
             <a:r>
-              <a:rPr lang="fr-FR" smtClean="0"/>
+              <a:rPr lang="fr-FR"/>
               <a:t>Cliquez pour modifier les styles du texte du masque</a:t>
             </a:r>
           </a:p>
@@ -2183,10 +2165,9 @@
           </a:lstStyle>
           <a:p>
             <a:r>
-              <a:rPr lang="fr-FR" smtClean="0"/>
+              <a:rPr lang="fr-FR"/>
               <a:t>Cliquez pour modifier le style du titre</a:t>
             </a:r>
-            <a:endParaRPr lang="fr-FR"/>
           </a:p>
         </p:txBody>
       </p:sp>
@@ -2248,7 +2229,7 @@
           </a:lstStyle>
           <a:p>
             <a:pPr lvl="0"/>
-            <a:endParaRPr lang="fr-FR" noProof="0" smtClean="0"/>
+            <a:endParaRPr lang="fr-FR" noProof="0"/>
           </a:p>
         </p:txBody>
       </p:sp>
@@ -2311,7 +2292,7 @@
           <a:p>
             <a:pPr lvl="0"/>
             <a:r>
-              <a:rPr lang="fr-FR" smtClean="0"/>
+              <a:rPr lang="fr-FR"/>
               <a:t>Cliquez pour modifier les styles du texte du masque</a:t>
             </a:r>
           </a:p>
@@ -2363,10 +2344,9 @@
           <a:lstStyle/>
           <a:p>
             <a:r>
-              <a:rPr lang="fr-FR" smtClean="0"/>
+              <a:rPr lang="fr-FR"/>
               <a:t>Cliquez pour modifier le style du titre</a:t>
             </a:r>
-            <a:endParaRPr lang="fr-FR"/>
           </a:p>
         </p:txBody>
       </p:sp>
@@ -2387,38 +2367,37 @@
           <a:p>
             <a:pPr lvl="0"/>
             <a:r>
-              <a:rPr lang="fr-FR" smtClean="0"/>
+              <a:rPr lang="fr-FR"/>
               <a:t>Cliquez pour modifier les styles du texte du masque</a:t>
             </a:r>
           </a:p>
           <a:p>
             <a:pPr lvl="1"/>
             <a:r>
-              <a:rPr lang="fr-FR" smtClean="0"/>
+              <a:rPr lang="fr-FR"/>
               <a:t>Deuxième niveau</a:t>
             </a:r>
           </a:p>
           <a:p>
             <a:pPr lvl="2"/>
             <a:r>
-              <a:rPr lang="fr-FR" smtClean="0"/>
+              <a:rPr lang="fr-FR"/>
               <a:t>Troisième niveau</a:t>
             </a:r>
           </a:p>
           <a:p>
             <a:pPr lvl="3"/>
             <a:r>
-              <a:rPr lang="fr-FR" smtClean="0"/>
+              <a:rPr lang="fr-FR"/>
               <a:t>Quatrième niveau</a:t>
             </a:r>
           </a:p>
           <a:p>
             <a:pPr lvl="4"/>
             <a:r>
-              <a:rPr lang="fr-FR" smtClean="0"/>
+              <a:rPr lang="fr-FR"/>
               <a:t>Cinquième niveau</a:t>
             </a:r>
-            <a:endParaRPr lang="fr-FR"/>
           </a:p>
         </p:txBody>
       </p:sp>
@@ -2599,7 +2578,7 @@
             <a:pPr eaLnBrk="1" hangingPunct="1">
               <a:defRPr/>
             </a:pPr>
-            <a:endParaRPr lang="fr-FR" altLang="fr-FR" smtClean="0"/>
+            <a:endParaRPr lang="fr-FR" altLang="fr-FR"/>
           </a:p>
         </p:txBody>
       </p:sp>
@@ -2753,7 +2732,7 @@
               <a:defRPr/>
             </a:pPr>
             <a:r>
-              <a:rPr lang="fr-FR" sz="1200" dirty="0" smtClean="0"/>
+              <a:rPr lang="fr-FR" sz="1200" dirty="0"/>
               <a:t>Page </a:t>
             </a:r>
             <a:fld id="{E218E9B1-FD08-4C80-902E-210BA2967D0D}" type="slidenum">
@@ -2766,7 +2745,7 @@
               </a:pPr>
               <a:t>‹N°›</a:t>
             </a:fld>
-            <a:endParaRPr lang="fr-FR" dirty="0" smtClean="0">
+            <a:endParaRPr lang="fr-FR" dirty="0">
               <a:latin typeface="Times New Roman" pitchFamily="18" charset="0"/>
             </a:endParaRPr>
           </a:p>
@@ -2922,10 +2901,10 @@
               <a:defRPr/>
             </a:pPr>
             <a:r>
-              <a:rPr lang="fr-FR" sz="1600" dirty="0" smtClean="0"/>
+              <a:rPr lang="fr-FR" sz="1600" dirty="0"/>
               <a:t>R</a:t>
             </a:r>
-            <a:endParaRPr lang="fr-FR" dirty="0" smtClean="0">
+            <a:endParaRPr lang="fr-FR" dirty="0">
               <a:latin typeface="Times New Roman" pitchFamily="18" charset="0"/>
             </a:endParaRPr>
           </a:p>
@@ -2983,7 +2962,7 @@
           <a:p>
             <a:pPr lvl="0"/>
             <a:r>
-              <a:rPr lang="fr-FR" altLang="fr-FR" smtClean="0"/>
+              <a:rPr lang="fr-FR" altLang="fr-FR"/>
               <a:t>Cliquez pour modifier le style du titre du masque</a:t>
             </a:r>
           </a:p>
@@ -3041,35 +3020,35 @@
           <a:p>
             <a:pPr lvl="0"/>
             <a:r>
-              <a:rPr lang="fr-FR" altLang="fr-FR" smtClean="0"/>
+              <a:rPr lang="fr-FR" altLang="fr-FR"/>
               <a:t>Cliquez pour modifier les styles du texte du masque</a:t>
             </a:r>
           </a:p>
           <a:p>
             <a:pPr lvl="1"/>
             <a:r>
-              <a:rPr lang="fr-FR" altLang="fr-FR" smtClean="0"/>
+              <a:rPr lang="fr-FR" altLang="fr-FR"/>
               <a:t>Deuxième niveau</a:t>
             </a:r>
           </a:p>
           <a:p>
             <a:pPr lvl="2"/>
             <a:r>
-              <a:rPr lang="fr-FR" altLang="fr-FR" smtClean="0"/>
+              <a:rPr lang="fr-FR" altLang="fr-FR"/>
               <a:t>Troisième niveau</a:t>
             </a:r>
           </a:p>
           <a:p>
             <a:pPr lvl="3"/>
             <a:r>
-              <a:rPr lang="fr-FR" altLang="fr-FR" smtClean="0"/>
+              <a:rPr lang="fr-FR" altLang="fr-FR"/>
               <a:t>Quatrième niveau</a:t>
             </a:r>
           </a:p>
           <a:p>
             <a:pPr lvl="4"/>
             <a:r>
-              <a:rPr lang="fr-FR" altLang="fr-FR" smtClean="0"/>
+              <a:rPr lang="fr-FR" altLang="fr-FR"/>
               <a:t>Cinquième niveau</a:t>
             </a:r>
           </a:p>
@@ -3225,10 +3204,10 @@
               <a:defRPr/>
             </a:pPr>
             <a:r>
-              <a:rPr lang="fr-FR" sz="1200" smtClean="0"/>
+              <a:rPr lang="fr-FR" sz="1200"/>
               <a:t>© Cyril Vincent Conseil</a:t>
             </a:r>
-            <a:endParaRPr lang="fr-FR" smtClean="0">
+            <a:endParaRPr lang="fr-FR">
               <a:latin typeface="Times New Roman" pitchFamily="18" charset="0"/>
             </a:endParaRPr>
           </a:p>
@@ -3710,21 +3689,21 @@
           <a:p>
             <a:pPr eaLnBrk="1" hangingPunct="1"/>
             <a:r>
-              <a:rPr lang="fr-FR" altLang="fr-FR" dirty="0" smtClean="0"/>
+              <a:rPr lang="fr-FR" altLang="fr-FR" dirty="0"/>
               <a:t>Chapitre 1</a:t>
             </a:r>
           </a:p>
           <a:p>
             <a:pPr eaLnBrk="1" hangingPunct="1"/>
             <a:r>
-              <a:rPr lang="fr-FR" altLang="fr-FR" dirty="0" smtClean="0"/>
+              <a:rPr lang="fr-FR" altLang="fr-FR" dirty="0"/>
               <a:t>Introduction</a:t>
             </a:r>
           </a:p>
           <a:p>
             <a:pPr eaLnBrk="1" hangingPunct="1"/>
             <a:r>
-              <a:rPr lang="fr-FR" altLang="fr-FR" dirty="0" smtClean="0"/>
+              <a:rPr lang="fr-FR" altLang="fr-FR" dirty="0"/>
               <a:t>www.CyrilVincent.com</a:t>
             </a:r>
           </a:p>
@@ -3776,13 +3755,6 @@
   <p:clrMapOvr>
     <a:masterClrMapping/>
   </p:clrMapOvr>
-  <p:timing>
-    <p:tnLst>
-      <p:par>
-        <p:cTn id="1" dur="indefinite" restart="never" nodeType="tmRoot"/>
-      </p:par>
-    </p:tnLst>
-  </p:timing>
 </p:sld>
 </file>
 
@@ -3819,10 +3791,9 @@
           <a:lstStyle/>
           <a:p>
             <a:r>
-              <a:rPr lang="fr-FR" dirty="0" smtClean="0"/>
+              <a:rPr lang="fr-FR" dirty="0"/>
               <a:t>Opérations algébriques de bases</a:t>
             </a:r>
-            <a:endParaRPr lang="fr-FR" dirty="0"/>
           </a:p>
         </p:txBody>
       </p:sp>
@@ -3896,10 +3867,9 @@
           <a:lstStyle/>
           <a:p>
             <a:r>
-              <a:rPr lang="fr-FR" dirty="0" smtClean="0"/>
+              <a:rPr lang="fr-FR" dirty="0"/>
               <a:t>[1]</a:t>
             </a:r>
-            <a:endParaRPr lang="fr-FR" dirty="0"/>
           </a:p>
         </p:txBody>
       </p:sp>
@@ -3919,24 +3889,23 @@
           <a:lstStyle/>
           <a:p>
             <a:r>
-              <a:rPr lang="fr-FR" dirty="0" smtClean="0"/>
+              <a:rPr lang="fr-FR" dirty="0"/>
               <a:t>[1] signifie que R vous affiche l'index 1 du vecteur en cours</a:t>
             </a:r>
           </a:p>
           <a:p>
             <a:pPr lvl="1"/>
             <a:r>
-              <a:rPr lang="fr-FR" dirty="0" smtClean="0"/>
+              <a:rPr lang="fr-FR" dirty="0"/>
               <a:t>Voir chapitre 5</a:t>
             </a:r>
           </a:p>
           <a:p>
             <a:pPr lvl="1"/>
             <a:r>
-              <a:rPr lang="fr-FR" dirty="0" smtClean="0"/>
+              <a:rPr lang="fr-FR" dirty="0"/>
               <a:t>En R tout est vecteur, même les nombres et ou les chaînes simples</a:t>
             </a:r>
-            <a:endParaRPr lang="fr-FR" dirty="0"/>
           </a:p>
         </p:txBody>
       </p:sp>
@@ -3986,7 +3955,7 @@
           <a:lstStyle/>
           <a:p>
             <a:r>
-              <a:rPr lang="fr-FR" dirty="0" err="1" smtClean="0"/>
+              <a:rPr lang="fr-FR" dirty="0" err="1"/>
               <a:t>RGui</a:t>
             </a:r>
             <a:endParaRPr lang="fr-FR" dirty="0"/>
@@ -4009,17 +3978,16 @@
           <a:lstStyle/>
           <a:p>
             <a:r>
-              <a:rPr lang="fr-FR" dirty="0" smtClean="0"/>
+              <a:rPr lang="fr-FR" dirty="0"/>
               <a:t>32 bits et 64 bits</a:t>
             </a:r>
           </a:p>
           <a:p>
             <a:pPr lvl="1"/>
             <a:r>
-              <a:rPr lang="fr-FR" dirty="0" smtClean="0"/>
+              <a:rPr lang="fr-FR" dirty="0"/>
               <a:t>Permet d'exécuter le R Shell graphiquement</a:t>
             </a:r>
-            <a:endParaRPr lang="fr-FR" dirty="0"/>
           </a:p>
         </p:txBody>
       </p:sp>
@@ -4093,10 +4061,9 @@
           <a:lstStyle/>
           <a:p>
             <a:r>
-              <a:rPr lang="fr-FR" dirty="0" smtClean="0"/>
+              <a:rPr lang="fr-FR" dirty="0"/>
               <a:t>Data Science</a:t>
             </a:r>
-            <a:endParaRPr lang="fr-FR" dirty="0"/>
           </a:p>
         </p:txBody>
       </p:sp>
@@ -4117,48 +4084,20 @@
           <a:p>
             <a:r>
               <a:rPr lang="fr-FR" dirty="0"/>
-              <a:t>L</a:t>
-            </a:r>
-            <a:r>
-              <a:rPr lang="fr-FR" dirty="0" smtClean="0"/>
-              <a:t>a </a:t>
-            </a:r>
+              <a:t>La science des données est l'extraction de connaissance d'ensembles de données</a:t>
+            </a:r>
+          </a:p>
+          <a:p>
             <a:r>
               <a:rPr lang="fr-FR" dirty="0"/>
-              <a:t>science des données est l'extraction de connaissance d'ensembles de </a:t>
-            </a:r>
-            <a:r>
-              <a:rPr lang="fr-FR" dirty="0" smtClean="0"/>
-              <a:t>données</a:t>
-            </a:r>
-          </a:p>
-          <a:p>
-            <a:r>
-              <a:rPr lang="fr-FR" dirty="0" smtClean="0"/>
-              <a:t>Elle </a:t>
-            </a:r>
+              <a:t>Elle emploie des techniques et des théories tirées de plusieurs autres domaines plus larges :</a:t>
+            </a:r>
+          </a:p>
+          <a:p>
+            <a:pPr lvl="1"/>
             <a:r>
               <a:rPr lang="fr-FR" dirty="0"/>
-              <a:t>emploie des techniques et des théories tirées de plusieurs autres domaines plus </a:t>
-            </a:r>
-            <a:r>
-              <a:rPr lang="fr-FR" dirty="0" smtClean="0"/>
-              <a:t>larges :</a:t>
-            </a:r>
-          </a:p>
-          <a:p>
-            <a:pPr lvl="1"/>
-            <a:r>
-              <a:rPr lang="fr-FR" dirty="0" smtClean="0"/>
-              <a:t>des </a:t>
-            </a:r>
-            <a:r>
-              <a:rPr lang="fr-FR" dirty="0"/>
-              <a:t>mathématiques, la statistique principalement, la théorie de l'information et la technologie de l'information, notamment le traitement de signal, des modèles probabilistes, l'apprentissage automatique, l'apprentissage statistique, la programmation informatique, l'ingénierie de données, la reconnaissance de formes et l'apprentissage, la visualisation, l'analytique prophétique, la modélisation d'incertitude, le stockage de données, </a:t>
-            </a:r>
-            <a:r>
-              <a:rPr lang="fr-FR" dirty="0" smtClean="0"/>
-              <a:t>…</a:t>
+              <a:t>des mathématiques, la statistique principalement, la théorie de l'information et la technologie de l'information, notamment le traitement de signal, des modèles probabilistes, l'apprentissage automatique, l'apprentissage statistique, la programmation informatique, l'ingénierie de données, la reconnaissance de formes et l'apprentissage, la visualisation, l'analytique prophétique, la modélisation d'incertitude, le stockage de données, …</a:t>
             </a:r>
           </a:p>
         </p:txBody>
@@ -4209,10 +4148,9 @@
           <a:lstStyle/>
           <a:p>
             <a:r>
-              <a:rPr lang="fr-FR" dirty="0" smtClean="0"/>
+              <a:rPr lang="fr-FR" dirty="0"/>
               <a:t>Data Science</a:t>
             </a:r>
-            <a:endParaRPr lang="fr-FR" dirty="0"/>
           </a:p>
         </p:txBody>
       </p:sp>
@@ -4232,80 +4170,80 @@
           <a:lstStyle/>
           <a:p>
             <a:r>
-              <a:rPr lang="fr-FR" dirty="0" smtClean="0"/>
+              <a:rPr lang="fr-FR" dirty="0"/>
               <a:t>S’appuie sur plusieurs technologies</a:t>
             </a:r>
           </a:p>
           <a:p>
             <a:r>
-              <a:rPr lang="fr-FR" dirty="0" smtClean="0"/>
+              <a:rPr lang="fr-FR" dirty="0"/>
               <a:t>Développement</a:t>
             </a:r>
           </a:p>
           <a:p>
             <a:pPr lvl="1"/>
             <a:r>
-              <a:rPr lang="fr-FR" dirty="0" smtClean="0"/>
+              <a:rPr lang="fr-FR" dirty="0"/>
               <a:t>Python, R</a:t>
             </a:r>
           </a:p>
           <a:p>
             <a:r>
-              <a:rPr lang="fr-FR" dirty="0" smtClean="0"/>
+              <a:rPr lang="fr-FR" dirty="0"/>
               <a:t>Stockage</a:t>
             </a:r>
           </a:p>
           <a:p>
             <a:pPr lvl="1"/>
             <a:r>
-              <a:rPr lang="fr-FR" dirty="0" smtClean="0"/>
+              <a:rPr lang="fr-FR" dirty="0"/>
               <a:t>File, Base de données, </a:t>
             </a:r>
             <a:r>
-              <a:rPr lang="fr-FR" dirty="0" err="1" smtClean="0"/>
+              <a:rPr lang="fr-FR" dirty="0" err="1"/>
               <a:t>Big</a:t>
             </a:r>
             <a:r>
-              <a:rPr lang="fr-FR" dirty="0" smtClean="0"/>
+              <a:rPr lang="fr-FR" dirty="0"/>
               <a:t> Data</a:t>
             </a:r>
           </a:p>
           <a:p>
             <a:r>
-              <a:rPr lang="fr-FR" dirty="0" smtClean="0"/>
+              <a:rPr lang="fr-FR" dirty="0"/>
               <a:t>Statistique</a:t>
             </a:r>
           </a:p>
           <a:p>
             <a:pPr lvl="1"/>
             <a:r>
-              <a:rPr lang="fr-FR" dirty="0" smtClean="0"/>
+              <a:rPr lang="fr-FR" dirty="0"/>
               <a:t>Régression, Randomisation</a:t>
             </a:r>
           </a:p>
           <a:p>
             <a:r>
-              <a:rPr lang="fr-FR" dirty="0" smtClean="0"/>
+              <a:rPr lang="fr-FR" dirty="0"/>
               <a:t>Math</a:t>
             </a:r>
           </a:p>
           <a:p>
             <a:pPr lvl="1"/>
             <a:r>
-              <a:rPr lang="fr-FR" dirty="0" smtClean="0"/>
+              <a:rPr lang="fr-FR" dirty="0"/>
               <a:t>Algèbre linéaire</a:t>
             </a:r>
           </a:p>
           <a:p>
             <a:r>
-              <a:rPr lang="fr-FR" dirty="0" smtClean="0"/>
+              <a:rPr lang="fr-FR" dirty="0"/>
               <a:t>IA</a:t>
             </a:r>
           </a:p>
           <a:p>
             <a:pPr lvl="1"/>
             <a:r>
-              <a:rPr lang="fr-FR" dirty="0" smtClean="0"/>
+              <a:rPr lang="fr-FR" dirty="0"/>
               <a:t>Heuristiques, Réseaux neuronaux</a:t>
             </a:r>
           </a:p>
@@ -4357,10 +4295,9 @@
           <a:lstStyle/>
           <a:p>
             <a:r>
-              <a:rPr lang="fr-FR" dirty="0" smtClean="0"/>
+              <a:rPr lang="fr-FR" dirty="0"/>
               <a:t>Data Science</a:t>
             </a:r>
-            <a:endParaRPr lang="fr-FR" dirty="0"/>
           </a:p>
         </p:txBody>
       </p:sp>
@@ -4453,11 +4390,11 @@
           <a:lstStyle/>
           <a:p>
             <a:r>
-              <a:rPr lang="fr-FR" dirty="0" smtClean="0"/>
+              <a:rPr lang="fr-FR" dirty="0"/>
               <a:t>Data </a:t>
             </a:r>
             <a:r>
-              <a:rPr lang="fr-FR" dirty="0" err="1" smtClean="0"/>
+              <a:rPr lang="fr-FR" dirty="0" err="1"/>
               <a:t>Scientist</a:t>
             </a:r>
             <a:endParaRPr lang="fr-FR" dirty="0"/>
@@ -4481,11 +4418,7 @@
           <a:p>
             <a:r>
               <a:rPr lang="fr-FR" dirty="0"/>
-              <a:t>Le premier objectif du </a:t>
-            </a:r>
-            <a:r>
-              <a:rPr lang="fr-FR" dirty="0" smtClean="0"/>
-              <a:t>data </a:t>
+              <a:t>Le premier objectif du data </a:t>
             </a:r>
             <a:r>
               <a:rPr lang="fr-FR" dirty="0" err="1"/>
@@ -4493,24 +4426,12 @@
             </a:r>
             <a:r>
               <a:rPr lang="fr-FR" dirty="0"/>
-              <a:t> </a:t>
-            </a:r>
-            <a:r>
-              <a:rPr lang="fr-FR" dirty="0" smtClean="0"/>
-              <a:t>est </a:t>
-            </a:r>
+              <a:t> est de produire des méthodes (automatisées, autant que possible) de tri et d'analyse de données de masse et de sources plus ou moins complexes ou disjointes de données, afin d'en extraire des informations utiles ou potentiellement utiles</a:t>
+            </a:r>
+          </a:p>
+          <a:p>
             <a:r>
               <a:rPr lang="fr-FR" dirty="0"/>
-              <a:t>de produire des méthodes (automatisées, autant que possible) de tri et d'analyse de données de masse et de sources plus ou moins complexes ou disjointes de données, afin d'en extraire des informations utiles ou potentiellement </a:t>
-            </a:r>
-            <a:r>
-              <a:rPr lang="fr-FR" dirty="0" smtClean="0"/>
-              <a:t>utiles</a:t>
-            </a:r>
-          </a:p>
-          <a:p>
-            <a:r>
-              <a:rPr lang="fr-FR" dirty="0" smtClean="0"/>
               <a:t>Terme inventé en 2001 par William Cleveland</a:t>
             </a:r>
           </a:p>
@@ -4519,7 +4440,7 @@
               <a:rPr lang="en-US" dirty="0"/>
               <a:t>Data Scientist (n.): Person who is better at statistics than any software engineer and better at software engineering than any statistician</a:t>
             </a:r>
-            <a:endParaRPr lang="fr-FR" dirty="0" smtClean="0"/>
+            <a:endParaRPr lang="fr-FR" dirty="0"/>
           </a:p>
           <a:p>
             <a:endParaRPr lang="fr-FR" dirty="0"/>
@@ -4572,10 +4493,9 @@
           <a:lstStyle/>
           <a:p>
             <a:r>
-              <a:rPr lang="fr-FR" dirty="0" smtClean="0"/>
+              <a:rPr lang="fr-FR" dirty="0"/>
               <a:t>Machine Learning</a:t>
             </a:r>
-            <a:endParaRPr lang="fr-FR" dirty="0"/>
           </a:p>
         </p:txBody>
       </p:sp>
@@ -4596,31 +4516,15 @@
           <a:p>
             <a:r>
               <a:rPr lang="fr-FR" dirty="0"/>
-              <a:t>L'apprentissage automatique </a:t>
-            </a:r>
-            <a:r>
-              <a:rPr lang="fr-FR" dirty="0" smtClean="0"/>
-              <a:t>(machine </a:t>
-            </a:r>
-            <a:r>
-              <a:rPr lang="fr-FR" dirty="0" err="1" smtClean="0"/>
+              <a:t>L'apprentissage automatique (machine </a:t>
+            </a:r>
+            <a:r>
+              <a:rPr lang="fr-FR" dirty="0" err="1"/>
               <a:t>learning</a:t>
             </a:r>
             <a:r>
-              <a:rPr lang="fr-FR" dirty="0" smtClean="0"/>
-              <a:t>), champ </a:t>
-            </a:r>
-            <a:r>
               <a:rPr lang="fr-FR" dirty="0"/>
-              <a:t>d'étude de l'intelligence artificielle, concerne la conception, l'analyse, le développement et l'implémentation de méthodes permettant à une machine </a:t>
-            </a:r>
-            <a:r>
-              <a:rPr lang="fr-FR" dirty="0" smtClean="0"/>
-              <a:t>d'évoluer </a:t>
-            </a:r>
-            <a:r>
-              <a:rPr lang="fr-FR" dirty="0"/>
-              <a:t>par un processus systématique, et ainsi de remplir des tâches difficiles ou problématiques par des moyens algorithmiques plus classiques</a:t>
+              <a:t>), champ d'étude de l'intelligence artificielle, concerne la conception, l'analyse, le développement et l'implémentation de méthodes permettant à une machine d'évoluer par un processus systématique, et ainsi de remplir des tâches difficiles ou problématiques par des moyens algorithmiques plus classiques</a:t>
             </a:r>
           </a:p>
         </p:txBody>
@@ -4671,10 +4575,9 @@
           <a:lstStyle/>
           <a:p>
             <a:r>
-              <a:rPr lang="fr-FR" dirty="0" smtClean="0"/>
+              <a:rPr lang="fr-FR" dirty="0"/>
               <a:t>Apprentissage supervisé</a:t>
             </a:r>
-            <a:endParaRPr lang="fr-FR" dirty="0"/>
           </a:p>
         </p:txBody>
       </p:sp>
@@ -4694,17 +4597,16 @@
           <a:lstStyle/>
           <a:p>
             <a:r>
-              <a:rPr lang="fr-FR" dirty="0" smtClean="0"/>
+              <a:rPr lang="fr-FR" dirty="0"/>
               <a:t>Dans cet exemple les images ont été annotés par un expert avec leur catégorie</a:t>
             </a:r>
           </a:p>
           <a:p>
             <a:pPr lvl="1"/>
             <a:r>
-              <a:rPr lang="fr-FR" dirty="0" smtClean="0"/>
+              <a:rPr lang="fr-FR" dirty="0"/>
               <a:t>La machine apprend puis prédit</a:t>
             </a:r>
-            <a:endParaRPr lang="fr-FR" dirty="0"/>
           </a:p>
         </p:txBody>
       </p:sp>
@@ -4795,14 +4697,13 @@
           <a:lstStyle/>
           <a:p>
             <a:r>
-              <a:rPr lang="fr-FR" dirty="0" err="1" smtClean="0"/>
+              <a:rPr lang="fr-FR" dirty="0" err="1"/>
               <a:t>Deep</a:t>
             </a:r>
             <a:r>
-              <a:rPr lang="fr-FR" dirty="0" smtClean="0"/>
+              <a:rPr lang="fr-FR" dirty="0"/>
               <a:t> Learning</a:t>
             </a:r>
-            <a:endParaRPr lang="fr-FR" dirty="0"/>
           </a:p>
         </p:txBody>
       </p:sp>
@@ -4822,42 +4723,34 @@
           <a:lstStyle/>
           <a:p>
             <a:r>
-              <a:rPr lang="fr-FR" dirty="0" smtClean="0"/>
+              <a:rPr lang="fr-FR" dirty="0"/>
               <a:t>Le </a:t>
             </a:r>
             <a:r>
-              <a:rPr lang="fr-FR" dirty="0" err="1" smtClean="0"/>
+              <a:rPr lang="fr-FR" dirty="0" err="1"/>
               <a:t>deep</a:t>
             </a:r>
             <a:r>
-              <a:rPr lang="fr-FR" dirty="0" smtClean="0"/>
+              <a:rPr lang="fr-FR" dirty="0"/>
               <a:t> </a:t>
             </a:r>
             <a:r>
-              <a:rPr lang="fr-FR" dirty="0" err="1" smtClean="0"/>
+              <a:rPr lang="fr-FR" dirty="0" err="1"/>
               <a:t>learning</a:t>
             </a:r>
             <a:r>
-              <a:rPr lang="fr-FR" dirty="0" smtClean="0"/>
-              <a:t> </a:t>
-            </a:r>
-            <a:r>
               <a:rPr lang="fr-FR" dirty="0"/>
-              <a:t>est un ensemble de méthodes d'apprentissage automatique tentant de modéliser avec un haut niveau d’abstraction des données grâce à des architectures articulées de différentes transformations </a:t>
+              <a:t> est un ensemble de méthodes d'apprentissage automatique tentant de modéliser avec un haut niveau d’abstraction des données grâce à des architectures articulées de différentes transformations </a:t>
             </a:r>
             <a:r>
               <a:rPr lang="fr-FR"/>
-              <a:t>non </a:t>
-            </a:r>
-            <a:r>
-              <a:rPr lang="fr-FR" smtClean="0"/>
-              <a:t>linéaires</a:t>
+              <a:t>non linéaires</a:t>
             </a:r>
           </a:p>
           <a:p>
             <a:pPr lvl="1"/>
             <a:r>
-              <a:rPr lang="fr-FR" smtClean="0"/>
+              <a:rPr lang="fr-FR"/>
               <a:t>Ces </a:t>
             </a:r>
             <a:r>
@@ -4917,7 +4810,7 @@
           <a:bodyPr/>
           <a:lstStyle/>
           <a:p>
-            <a:endParaRPr lang="fr-FR" altLang="fr-FR" dirty="0" smtClean="0"/>
+            <a:endParaRPr lang="fr-FR" altLang="fr-FR" dirty="0"/>
           </a:p>
         </p:txBody>
       </p:sp>
@@ -4943,30 +4836,14 @@
           <a:p>
             <a:r>
               <a:rPr lang="fr-FR" altLang="fr-FR" dirty="0"/>
-              <a:t>R est un langage de programmation </a:t>
-            </a:r>
-            <a:r>
-              <a:rPr lang="fr-FR" altLang="fr-FR" dirty="0" smtClean="0"/>
-              <a:t>destiné </a:t>
-            </a:r>
+              <a:t>R est un langage de programmation destiné aux statistiques et à la science des données</a:t>
+            </a:r>
+          </a:p>
+          <a:p>
+            <a:pPr lvl="1"/>
             <a:r>
               <a:rPr lang="fr-FR" altLang="fr-FR" dirty="0"/>
-              <a:t>aux statistiques et à la science des </a:t>
-            </a:r>
-            <a:r>
-              <a:rPr lang="fr-FR" altLang="fr-FR" dirty="0" smtClean="0"/>
-              <a:t>données</a:t>
-            </a:r>
-          </a:p>
-          <a:p>
-            <a:pPr lvl="1"/>
-            <a:r>
-              <a:rPr lang="fr-FR" altLang="fr-FR" dirty="0" smtClean="0"/>
-              <a:t>Soutenu </a:t>
-            </a:r>
-            <a:r>
-              <a:rPr lang="fr-FR" altLang="fr-FR" dirty="0"/>
-              <a:t>par la R </a:t>
+              <a:t>Soutenu par la R </a:t>
             </a:r>
             <a:r>
               <a:rPr lang="fr-FR" altLang="fr-FR" dirty="0" err="1"/>
@@ -4988,18 +4865,18 @@
               <a:rPr lang="fr-FR" altLang="fr-FR" dirty="0" err="1"/>
               <a:t>Computing</a:t>
             </a:r>
-            <a:endParaRPr lang="fr-FR" altLang="fr-FR" dirty="0" smtClean="0"/>
-          </a:p>
-          <a:p>
-            <a:r>
-              <a:rPr lang="fr-FR" altLang="fr-FR" dirty="0" smtClean="0"/>
+            <a:endParaRPr lang="fr-FR" altLang="fr-FR" dirty="0"/>
+          </a:p>
+          <a:p>
+            <a:r>
+              <a:rPr lang="fr-FR" altLang="fr-FR" dirty="0"/>
               <a:t>R est libre</a:t>
             </a:r>
           </a:p>
           <a:p>
             <a:pPr lvl="1"/>
             <a:r>
-              <a:rPr lang="fr-FR" altLang="fr-FR" dirty="0" smtClean="0"/>
+              <a:rPr lang="fr-FR" altLang="fr-FR" dirty="0"/>
               <a:t>Implémentation GNU R</a:t>
             </a:r>
           </a:p>
@@ -5014,16 +4891,12 @@
             </a:r>
             <a:r>
               <a:rPr lang="fr-FR" altLang="fr-FR" dirty="0"/>
-              <a:t> et Robert Gentleman à l'université </a:t>
-            </a:r>
-            <a:r>
-              <a:rPr lang="fr-FR" altLang="fr-FR" dirty="0" smtClean="0"/>
-              <a:t>d'Auckland (NZ)</a:t>
-            </a:r>
-          </a:p>
-          <a:p>
-            <a:r>
-              <a:rPr lang="fr-FR" altLang="fr-FR" dirty="0" smtClean="0"/>
+              <a:t> et Robert Gentleman à l'université d'Auckland (NZ)</a:t>
+            </a:r>
+          </a:p>
+          <a:p>
+            <a:r>
+              <a:rPr lang="fr-FR" altLang="fr-FR" dirty="0"/>
               <a:t>Basé sur le langage S</a:t>
             </a:r>
           </a:p>
@@ -5075,13 +4948,6 @@
   <p:clrMapOvr>
     <a:masterClrMapping/>
   </p:clrMapOvr>
-  <p:timing>
-    <p:tnLst>
-      <p:par>
-        <p:cTn id="1" dur="indefinite" restart="never" nodeType="tmRoot"/>
-      </p:par>
-    </p:tnLst>
-  </p:timing>
 </p:sld>
 </file>
 
@@ -5118,10 +4984,9 @@
           <a:lstStyle/>
           <a:p>
             <a:r>
-              <a:rPr lang="fr-FR" dirty="0" smtClean="0"/>
+              <a:rPr lang="fr-FR" dirty="0"/>
               <a:t>Workflow</a:t>
             </a:r>
-            <a:endParaRPr lang="fr-FR" dirty="0"/>
           </a:p>
         </p:txBody>
       </p:sp>
@@ -5181,380 +5046,6 @@
 </p:sld>
 </file>
 
-<file path=ppt/slides/slide21.xml><?xml version="1.0" encoding="utf-8"?>
-<p:sld xmlns:a="http://schemas.openxmlformats.org/drawingml/2006/main" xmlns:r="http://schemas.openxmlformats.org/officeDocument/2006/relationships" xmlns:p="http://schemas.openxmlformats.org/presentationml/2006/main">
-  <p:cSld>
-    <p:spTree>
-      <p:nvGrpSpPr>
-        <p:cNvPr id="1" name=""/>
-        <p:cNvGrpSpPr/>
-        <p:nvPr/>
-      </p:nvGrpSpPr>
-      <p:grpSpPr>
-        <a:xfrm>
-          <a:off x="0" y="0"/>
-          <a:ext cx="0" cy="0"/>
-          <a:chOff x="0" y="0"/>
-          <a:chExt cx="0" cy="0"/>
-        </a:xfrm>
-      </p:grpSpPr>
-      <p:sp>
-        <p:nvSpPr>
-          <p:cNvPr id="2" name="Titre 1"/>
-          <p:cNvSpPr>
-            <a:spLocks noGrp="1"/>
-          </p:cNvSpPr>
-          <p:nvPr>
-            <p:ph type="title"/>
-          </p:nvPr>
-        </p:nvSpPr>
-        <p:spPr/>
-        <p:txBody>
-          <a:bodyPr/>
-          <a:lstStyle/>
-          <a:p>
-            <a:r>
-              <a:rPr lang="fr-FR" dirty="0" smtClean="0"/>
-              <a:t>Considération sur les tailles</a:t>
-            </a:r>
-            <a:endParaRPr lang="fr-FR" dirty="0"/>
-          </a:p>
-        </p:txBody>
-      </p:sp>
-      <p:sp>
-        <p:nvSpPr>
-          <p:cNvPr id="3" name="Espace réservé du contenu 2"/>
-          <p:cNvSpPr>
-            <a:spLocks noGrp="1"/>
-          </p:cNvSpPr>
-          <p:nvPr>
-            <p:ph idx="1"/>
-          </p:nvPr>
-        </p:nvSpPr>
-        <p:spPr/>
-        <p:txBody>
-          <a:bodyPr/>
-          <a:lstStyle/>
-          <a:p>
-            <a:r>
-              <a:rPr lang="fr-FR" dirty="0" smtClean="0"/>
-              <a:t>Les processeurs d’aujourd’hui en en 64 bits (x64)</a:t>
-            </a:r>
-          </a:p>
-          <a:p>
-            <a:pPr lvl="1"/>
-            <a:r>
-              <a:rPr lang="fr-FR" dirty="0" smtClean="0"/>
-              <a:t>Les GPU sont sur 128 bits</a:t>
-            </a:r>
-          </a:p>
-          <a:p>
-            <a:pPr lvl="1"/>
-            <a:r>
-              <a:rPr lang="fr-FR" dirty="0" smtClean="0"/>
-              <a:t>Les anciens processeurs sur 32 bits</a:t>
-            </a:r>
-          </a:p>
-          <a:p>
-            <a:pPr lvl="1"/>
-            <a:r>
-              <a:rPr lang="fr-FR" dirty="0" smtClean="0"/>
-              <a:t>Python existe en version 32 et 64 bits</a:t>
-            </a:r>
-          </a:p>
-          <a:p>
-            <a:r>
-              <a:rPr lang="fr-FR" dirty="0" smtClean="0"/>
-              <a:t>Un processeur 32 bits ne peut adresser que 2^32 bits soit 4Gbit</a:t>
-            </a:r>
-          </a:p>
-          <a:p>
-            <a:pPr lvl="1"/>
-            <a:r>
-              <a:rPr lang="fr-FR" dirty="0" smtClean="0"/>
-              <a:t>Une adresse mémoire est souvent sur 1 octet ce qui donne 4Go de mémoire maximum, sachant que près de la moitié est pris par l’OS</a:t>
-            </a:r>
-          </a:p>
-          <a:p>
-            <a:r>
-              <a:rPr lang="fr-FR" dirty="0" smtClean="0"/>
-              <a:t>Un processeur 64 bits sait adressé 8000 </a:t>
-            </a:r>
-            <a:r>
-              <a:rPr lang="fr-FR" dirty="0" err="1" smtClean="0"/>
-              <a:t>Pbit</a:t>
-            </a:r>
-            <a:endParaRPr lang="fr-FR" dirty="0" smtClean="0"/>
-          </a:p>
-        </p:txBody>
-      </p:sp>
-    </p:spTree>
-    <p:extLst>
-      <p:ext uri="{BB962C8B-B14F-4D97-AF65-F5344CB8AC3E}">
-        <p14:creationId xmlns:p14="http://schemas.microsoft.com/office/powerpoint/2010/main" val="3523004057"/>
-      </p:ext>
-    </p:extLst>
-  </p:cSld>
-  <p:clrMapOvr>
-    <a:masterClrMapping/>
-  </p:clrMapOvr>
-</p:sld>
-</file>
-
-<file path=ppt/slides/slide22.xml><?xml version="1.0" encoding="utf-8"?>
-<p:sld xmlns:a="http://schemas.openxmlformats.org/drawingml/2006/main" xmlns:r="http://schemas.openxmlformats.org/officeDocument/2006/relationships" xmlns:p="http://schemas.openxmlformats.org/presentationml/2006/main">
-  <p:cSld>
-    <p:spTree>
-      <p:nvGrpSpPr>
-        <p:cNvPr id="1" name=""/>
-        <p:cNvGrpSpPr/>
-        <p:nvPr/>
-      </p:nvGrpSpPr>
-      <p:grpSpPr>
-        <a:xfrm>
-          <a:off x="0" y="0"/>
-          <a:ext cx="0" cy="0"/>
-          <a:chOff x="0" y="0"/>
-          <a:chExt cx="0" cy="0"/>
-        </a:xfrm>
-      </p:grpSpPr>
-      <p:sp>
-        <p:nvSpPr>
-          <p:cNvPr id="2" name="Titre 1"/>
-          <p:cNvSpPr>
-            <a:spLocks noGrp="1"/>
-          </p:cNvSpPr>
-          <p:nvPr>
-            <p:ph type="title"/>
-          </p:nvPr>
-        </p:nvSpPr>
-        <p:spPr/>
-        <p:txBody>
-          <a:bodyPr/>
-          <a:lstStyle/>
-          <a:p>
-            <a:r>
-              <a:rPr lang="fr-FR" dirty="0" smtClean="0"/>
-              <a:t>Considération sur les tailles</a:t>
-            </a:r>
-            <a:endParaRPr lang="fr-FR" dirty="0"/>
-          </a:p>
-        </p:txBody>
-      </p:sp>
-      <p:sp>
-        <p:nvSpPr>
-          <p:cNvPr id="3" name="Espace réservé du contenu 2"/>
-          <p:cNvSpPr>
-            <a:spLocks noGrp="1"/>
-          </p:cNvSpPr>
-          <p:nvPr>
-            <p:ph idx="1"/>
-          </p:nvPr>
-        </p:nvSpPr>
-        <p:spPr/>
-        <p:txBody>
-          <a:bodyPr/>
-          <a:lstStyle/>
-          <a:p>
-            <a:r>
-              <a:rPr lang="fr-FR" sz="2400" dirty="0" smtClean="0"/>
-              <a:t>En Python un flottant fait 32 bits</a:t>
-            </a:r>
-          </a:p>
-          <a:p>
-            <a:pPr lvl="1"/>
-            <a:r>
-              <a:rPr lang="fr-FR" sz="2000" dirty="0" smtClean="0"/>
-              <a:t>Sachant que la moitié des ressources est pris par l’OS et qu’une liste de valeur est amené à être dupliqué au moins une fois</a:t>
-            </a:r>
-          </a:p>
-          <a:p>
-            <a:pPr lvl="1"/>
-            <a:r>
-              <a:rPr lang="fr-FR" sz="2000" dirty="0" smtClean="0"/>
-              <a:t>Python 32 bits sait géré 10**8 flottants</a:t>
-            </a:r>
-          </a:p>
-          <a:p>
-            <a:pPr lvl="1"/>
-            <a:r>
-              <a:rPr lang="fr-FR" sz="2000" dirty="0" smtClean="0"/>
-              <a:t>Python 64 bits sait géré 10**18 flottants</a:t>
-            </a:r>
-          </a:p>
-          <a:p>
-            <a:r>
-              <a:rPr lang="fr-FR" sz="2400" dirty="0" smtClean="0"/>
-              <a:t>Une image 28 * 28 * 16 niveaux de gris fait 3Ko</a:t>
-            </a:r>
-          </a:p>
-          <a:p>
-            <a:pPr lvl="1"/>
-            <a:r>
-              <a:rPr lang="fr-FR" sz="2000" dirty="0" smtClean="0"/>
-              <a:t>Python 32 bits sait géré 333 000 images</a:t>
-            </a:r>
-          </a:p>
-          <a:p>
-            <a:pPr lvl="1"/>
-            <a:r>
-              <a:rPr lang="fr-FR" sz="2000" dirty="0" smtClean="0"/>
-              <a:t>Python 64 bits sait géré 10**15 images</a:t>
-            </a:r>
-          </a:p>
-          <a:p>
-            <a:r>
-              <a:rPr lang="fr-FR" sz="2400" dirty="0" smtClean="0"/>
-              <a:t>Une image 1024 * 768 en couleur RAW fait 3Mo</a:t>
-            </a:r>
-          </a:p>
-          <a:p>
-            <a:pPr lvl="1"/>
-            <a:r>
-              <a:rPr lang="fr-FR" sz="2000" dirty="0"/>
-              <a:t>Python 32 bits sait géré 333 </a:t>
-            </a:r>
-            <a:r>
-              <a:rPr lang="fr-FR" sz="2000" dirty="0" smtClean="0"/>
-              <a:t>images</a:t>
-            </a:r>
-            <a:endParaRPr lang="fr-FR" sz="2000" dirty="0"/>
-          </a:p>
-          <a:p>
-            <a:pPr lvl="1"/>
-            <a:r>
-              <a:rPr lang="fr-FR" sz="2000" dirty="0"/>
-              <a:t>Python 64 bits sait géré 10**</a:t>
-            </a:r>
-            <a:r>
-              <a:rPr lang="fr-FR" sz="2000" dirty="0" smtClean="0"/>
-              <a:t>12 images</a:t>
-            </a:r>
-          </a:p>
-          <a:p>
-            <a:r>
-              <a:rPr lang="fr-FR" sz="2400" dirty="0" smtClean="0"/>
-              <a:t>Une image 4K RAW fait 16Go</a:t>
-            </a:r>
-          </a:p>
-          <a:p>
-            <a:pPr lvl="1"/>
-            <a:r>
-              <a:rPr lang="fr-FR" sz="2000" dirty="0" smtClean="0"/>
-              <a:t>Python </a:t>
-            </a:r>
-            <a:r>
-              <a:rPr lang="fr-FR" sz="2000" dirty="0"/>
-              <a:t>64 bits sait géré 10</a:t>
-            </a:r>
-            <a:r>
-              <a:rPr lang="fr-FR" sz="2000" dirty="0" smtClean="0"/>
-              <a:t>**9 images aucune pour 32 bits</a:t>
-            </a:r>
-            <a:endParaRPr lang="fr-FR" sz="2000" dirty="0"/>
-          </a:p>
-          <a:p>
-            <a:pPr lvl="1"/>
-            <a:endParaRPr lang="fr-FR" dirty="0"/>
-          </a:p>
-          <a:p>
-            <a:pPr lvl="1"/>
-            <a:endParaRPr lang="fr-FR" sz="2000" dirty="0" smtClean="0"/>
-          </a:p>
-        </p:txBody>
-      </p:sp>
-    </p:spTree>
-    <p:extLst>
-      <p:ext uri="{BB962C8B-B14F-4D97-AF65-F5344CB8AC3E}">
-        <p14:creationId xmlns:p14="http://schemas.microsoft.com/office/powerpoint/2010/main" val="3330038102"/>
-      </p:ext>
-    </p:extLst>
-  </p:cSld>
-  <p:clrMapOvr>
-    <a:masterClrMapping/>
-  </p:clrMapOvr>
-</p:sld>
-</file>
-
-<file path=ppt/slides/slide23.xml><?xml version="1.0" encoding="utf-8"?>
-<p:sld xmlns:a="http://schemas.openxmlformats.org/drawingml/2006/main" xmlns:r="http://schemas.openxmlformats.org/officeDocument/2006/relationships" xmlns:p="http://schemas.openxmlformats.org/presentationml/2006/main">
-  <p:cSld>
-    <p:spTree>
-      <p:nvGrpSpPr>
-        <p:cNvPr id="1" name=""/>
-        <p:cNvGrpSpPr/>
-        <p:nvPr/>
-      </p:nvGrpSpPr>
-      <p:grpSpPr>
-        <a:xfrm>
-          <a:off x="0" y="0"/>
-          <a:ext cx="0" cy="0"/>
-          <a:chOff x="0" y="0"/>
-          <a:chExt cx="0" cy="0"/>
-        </a:xfrm>
-      </p:grpSpPr>
-      <p:sp>
-        <p:nvSpPr>
-          <p:cNvPr id="2" name="Titre 1"/>
-          <p:cNvSpPr>
-            <a:spLocks noGrp="1"/>
-          </p:cNvSpPr>
-          <p:nvPr>
-            <p:ph type="title"/>
-          </p:nvPr>
-        </p:nvSpPr>
-        <p:spPr/>
-        <p:txBody>
-          <a:bodyPr/>
-          <a:lstStyle/>
-          <a:p>
-            <a:r>
-              <a:rPr lang="fr-FR" dirty="0" smtClean="0"/>
-              <a:t>Pur rappel</a:t>
-            </a:r>
-            <a:endParaRPr lang="fr-FR" dirty="0"/>
-          </a:p>
-        </p:txBody>
-      </p:sp>
-      <p:pic>
-        <p:nvPicPr>
-          <p:cNvPr id="4" name="Espace réservé du contenu 3"/>
-          <p:cNvPicPr>
-            <a:picLocks noGrp="1" noChangeAspect="1"/>
-          </p:cNvPicPr>
-          <p:nvPr>
-            <p:ph idx="1"/>
-          </p:nvPr>
-        </p:nvPicPr>
-        <p:blipFill>
-          <a:blip r:embed="rId2"/>
-          <a:stretch>
-            <a:fillRect/>
-          </a:stretch>
-        </p:blipFill>
-        <p:spPr>
-          <a:xfrm>
-            <a:off x="1412280" y="1412875"/>
-            <a:ext cx="6300391" cy="5040313"/>
-          </a:xfrm>
-          <a:prstGeom prst="rect">
-            <a:avLst/>
-          </a:prstGeom>
-        </p:spPr>
-      </p:pic>
-    </p:spTree>
-    <p:extLst>
-      <p:ext uri="{BB962C8B-B14F-4D97-AF65-F5344CB8AC3E}">
-        <p14:creationId xmlns:p14="http://schemas.microsoft.com/office/powerpoint/2010/main" val="1781968530"/>
-      </p:ext>
-    </p:extLst>
-  </p:cSld>
-  <p:clrMapOvr>
-    <a:masterClrMapping/>
-  </p:clrMapOvr>
-</p:sld>
-</file>
-
 <file path=ppt/slides/slide3.xml><?xml version="1.0" encoding="utf-8"?>
 <p:sld xmlns:a="http://schemas.openxmlformats.org/drawingml/2006/main" xmlns:r="http://schemas.openxmlformats.org/officeDocument/2006/relationships" xmlns:p="http://schemas.openxmlformats.org/presentationml/2006/main">
   <p:cSld>
@@ -5588,10 +5079,9 @@
           <a:lstStyle/>
           <a:p>
             <a:r>
-              <a:rPr lang="fr-FR" dirty="0" smtClean="0"/>
+              <a:rPr lang="fr-FR" dirty="0"/>
               <a:t>Distributions</a:t>
             </a:r>
-            <a:endParaRPr lang="fr-FR" dirty="0"/>
           </a:p>
         </p:txBody>
       </p:sp>
@@ -5611,72 +5101,68 @@
           <a:lstStyle/>
           <a:p>
             <a:r>
-              <a:rPr lang="fr-FR" dirty="0" smtClean="0"/>
+              <a:rPr lang="fr-FR" dirty="0"/>
               <a:t>GNU R possède plusieurs distributions</a:t>
             </a:r>
           </a:p>
           <a:p>
             <a:r>
-              <a:rPr lang="fr-FR" dirty="0" smtClean="0"/>
+              <a:rPr lang="fr-FR" dirty="0"/>
               <a:t>CRAN</a:t>
             </a:r>
           </a:p>
           <a:p>
             <a:pPr lvl="1"/>
             <a:r>
-              <a:rPr lang="fr-FR" dirty="0" smtClean="0"/>
+              <a:rPr lang="fr-FR" dirty="0"/>
               <a:t>Compréhensive R Archive Network</a:t>
             </a:r>
           </a:p>
           <a:p>
             <a:pPr lvl="1"/>
             <a:r>
-              <a:rPr lang="fr-FR" dirty="0" smtClean="0"/>
+              <a:rPr lang="fr-FR" dirty="0"/>
               <a:t>Hommage à Perl</a:t>
             </a:r>
           </a:p>
           <a:p>
             <a:pPr lvl="1"/>
             <a:r>
-              <a:rPr lang="fr-FR" dirty="0" smtClean="0"/>
+              <a:rPr lang="fr-FR" dirty="0"/>
               <a:t>www.cran.r-project.org</a:t>
             </a:r>
           </a:p>
           <a:p>
             <a:r>
-              <a:rPr lang="fr-FR" dirty="0" smtClean="0"/>
+              <a:rPr lang="fr-FR" dirty="0"/>
               <a:t>Autres distributions</a:t>
             </a:r>
           </a:p>
           <a:p>
             <a:pPr lvl="1"/>
             <a:r>
-              <a:rPr lang="fr-FR" dirty="0" smtClean="0"/>
+              <a:rPr lang="fr-FR" dirty="0"/>
               <a:t>Microsoft (via Visual Studio ou </a:t>
             </a:r>
             <a:r>
-              <a:rPr lang="fr-FR" dirty="0" err="1" smtClean="0"/>
+              <a:rPr lang="fr-FR" dirty="0" err="1"/>
               <a:t>Sql</a:t>
             </a:r>
             <a:r>
-              <a:rPr lang="fr-FR" dirty="0" smtClean="0"/>
+              <a:rPr lang="fr-FR" dirty="0"/>
               <a:t> Server)</a:t>
             </a:r>
           </a:p>
           <a:p>
             <a:pPr lvl="1"/>
             <a:r>
-              <a:rPr lang="fr-FR" dirty="0" smtClean="0"/>
-              <a:t>Oracle </a:t>
-            </a:r>
-            <a:r>
               <a:rPr lang="fr-FR" dirty="0"/>
-              <a:t>R Distribution</a:t>
+              <a:t>Oracle R Distribution</a:t>
             </a:r>
           </a:p>
           <a:p>
             <a:pPr lvl="1"/>
-            <a:endParaRPr lang="fr-FR" dirty="0" smtClean="0"/>
+            <a:endParaRPr lang="fr-FR" dirty="0"/>
           </a:p>
         </p:txBody>
       </p:sp>
@@ -5690,13 +5176,6 @@
   <p:clrMapOvr>
     <a:masterClrMapping/>
   </p:clrMapOvr>
-  <p:timing>
-    <p:tnLst>
-      <p:par>
-        <p:cTn id="1" dur="indefinite" restart="never" nodeType="tmRoot"/>
-      </p:par>
-    </p:tnLst>
-  </p:timing>
 </p:sld>
 </file>
 
@@ -5737,7 +5216,7 @@
           <a:bodyPr/>
           <a:lstStyle/>
           <a:p>
-            <a:endParaRPr lang="fr-FR" altLang="fr-FR" dirty="0" smtClean="0"/>
+            <a:endParaRPr lang="fr-FR" altLang="fr-FR" dirty="0"/>
           </a:p>
         </p:txBody>
       </p:sp>
@@ -5762,51 +5241,41 @@
           <a:lstStyle/>
           <a:p>
             <a:r>
-              <a:rPr lang="fr-FR" altLang="fr-FR" dirty="0" smtClean="0"/>
+              <a:rPr lang="fr-FR" altLang="fr-FR" dirty="0"/>
               <a:t>R est un langage de haut niveau mais simple</a:t>
             </a:r>
-            <a:endParaRPr lang="fr-FR" altLang="fr-FR" dirty="0"/>
-          </a:p>
-          <a:p>
-            <a:r>
-              <a:rPr lang="fr-FR" altLang="fr-FR" dirty="0" smtClean="0"/>
+          </a:p>
+          <a:p>
+            <a:r>
+              <a:rPr lang="fr-FR" altLang="fr-FR" dirty="0"/>
               <a:t>R est interprété</a:t>
             </a:r>
           </a:p>
           <a:p>
             <a:pPr lvl="1"/>
             <a:r>
-              <a:rPr lang="fr-FR" altLang="fr-FR" dirty="0" smtClean="0"/>
+              <a:rPr lang="fr-FR" altLang="fr-FR" dirty="0"/>
               <a:t>Pas le plus rapide</a:t>
             </a:r>
           </a:p>
           <a:p>
             <a:r>
-              <a:rPr lang="fr-FR" altLang="fr-FR" dirty="0" smtClean="0"/>
-              <a:t>R favorise </a:t>
-            </a:r>
-            <a:r>
               <a:rPr lang="fr-FR" altLang="fr-FR" dirty="0"/>
-              <a:t>la programmation impérative </a:t>
-            </a:r>
-            <a:r>
-              <a:rPr lang="fr-FR" altLang="fr-FR" dirty="0" smtClean="0"/>
-              <a:t>structurée pour les statistiques</a:t>
-            </a:r>
-          </a:p>
-          <a:p>
-            <a:r>
-              <a:rPr lang="fr-FR" altLang="fr-FR" dirty="0" smtClean="0"/>
+              <a:t>R favorise la programmation impérative structurée pour les statistiques</a:t>
+            </a:r>
+          </a:p>
+          <a:p>
+            <a:r>
+              <a:rPr lang="fr-FR" altLang="fr-FR" dirty="0"/>
               <a:t>R 3.x</a:t>
             </a:r>
           </a:p>
           <a:p>
             <a:pPr lvl="1"/>
             <a:r>
-              <a:rPr lang="fr-FR" altLang="fr-FR" dirty="0" smtClean="0"/>
+              <a:rPr lang="fr-FR" altLang="fr-FR" dirty="0"/>
               <a:t>Grosses différences avec R 2.x</a:t>
             </a:r>
-            <a:endParaRPr lang="fr-FR" altLang="fr-FR" dirty="0"/>
           </a:p>
           <a:p>
             <a:endParaRPr lang="fr-FR" altLang="fr-FR" dirty="0"/>
@@ -5864,13 +5333,6 @@
   <p:clrMapOvr>
     <a:masterClrMapping/>
   </p:clrMapOvr>
-  <p:timing>
-    <p:tnLst>
-      <p:par>
-        <p:cTn id="1" dur="indefinite" restart="never" nodeType="tmRoot"/>
-      </p:par>
-    </p:tnLst>
-  </p:timing>
 </p:sld>
 </file>
 
@@ -5907,10 +5369,9 @@
           <a:lstStyle/>
           <a:p>
             <a:r>
-              <a:rPr lang="fr-FR" dirty="0" smtClean="0"/>
+              <a:rPr lang="fr-FR" dirty="0"/>
               <a:t>Historique</a:t>
             </a:r>
-            <a:endParaRPr lang="fr-FR" dirty="0"/>
           </a:p>
         </p:txBody>
       </p:sp>
@@ -5930,37 +5391,37 @@
           <a:lstStyle/>
           <a:p>
             <a:r>
-              <a:rPr lang="fr-FR" sz="2400" dirty="0" smtClean="0"/>
+              <a:rPr lang="fr-FR" sz="2400" dirty="0"/>
               <a:t>R Beta : 1993</a:t>
             </a:r>
           </a:p>
           <a:p>
             <a:r>
-              <a:rPr lang="fr-FR" sz="2400" dirty="0" smtClean="0"/>
+              <a:rPr lang="fr-FR" sz="2400" dirty="0"/>
               <a:t>R 1.0 : 2000</a:t>
             </a:r>
           </a:p>
           <a:p>
             <a:r>
-              <a:rPr lang="fr-FR" sz="2400" dirty="0" smtClean="0"/>
+              <a:rPr lang="fr-FR" sz="2400" dirty="0"/>
               <a:t>R 2.0 : 2005</a:t>
             </a:r>
           </a:p>
           <a:p>
             <a:r>
-              <a:rPr lang="fr-FR" sz="2400" dirty="0" smtClean="0"/>
+              <a:rPr lang="fr-FR" sz="2400" dirty="0"/>
               <a:t>R 3.0 : 2013</a:t>
             </a:r>
           </a:p>
           <a:p>
             <a:r>
-              <a:rPr lang="fr-FR" sz="2400" dirty="0" smtClean="0"/>
+              <a:rPr lang="fr-FR" sz="2400" dirty="0"/>
               <a:t>R 3.5 : 2018</a:t>
             </a:r>
           </a:p>
           <a:p>
             <a:r>
-              <a:rPr lang="fr-FR" sz="2400" dirty="0" smtClean="0"/>
+              <a:rPr lang="fr-FR" sz="2400" dirty="0"/>
               <a:t>R 3.6 : 2019</a:t>
             </a:r>
           </a:p>
@@ -5969,32 +5430,28 @@
           </a:p>
           <a:p>
             <a:r>
-              <a:rPr lang="fr-FR" sz="2400" dirty="0" smtClean="0"/>
+              <a:rPr lang="fr-FR" sz="2400" dirty="0"/>
               <a:t>Existe </a:t>
             </a:r>
             <a:r>
-              <a:rPr lang="fr-FR" sz="2400" smtClean="0"/>
-              <a:t>pour </a:t>
-            </a:r>
-            <a:r>
-              <a:rPr lang="fr-FR" sz="2400" smtClean="0"/>
-              <a:t>Windows, </a:t>
-            </a:r>
-            <a:r>
-              <a:rPr lang="fr-FR" sz="2400" dirty="0" smtClean="0"/>
+              <a:rPr lang="fr-FR" sz="2400"/>
+              <a:t>pour Windows, </a:t>
+            </a:r>
+            <a:r>
+              <a:rPr lang="fr-FR" sz="2400" dirty="0"/>
               <a:t>Mac, Linux</a:t>
             </a:r>
           </a:p>
           <a:p>
             <a:r>
-              <a:rPr lang="fr-FR" sz="2400" dirty="0" smtClean="0"/>
+              <a:rPr lang="fr-FR" sz="2400" dirty="0"/>
               <a:t>32 bits et 64 bits</a:t>
             </a:r>
           </a:p>
           <a:p>
             <a:pPr lvl="1"/>
             <a:r>
-              <a:rPr lang="fr-FR" sz="2000" dirty="0" smtClean="0"/>
+              <a:rPr lang="fr-FR" sz="2000" dirty="0"/>
               <a:t>Attention R 32 bits est limité à 2Go de RAM</a:t>
             </a:r>
           </a:p>
@@ -6010,13 +5467,6 @@
   <p:clrMapOvr>
     <a:masterClrMapping/>
   </p:clrMapOvr>
-  <p:timing>
-    <p:tnLst>
-      <p:par>
-        <p:cTn id="1" dur="indefinite" restart="never" nodeType="tmRoot"/>
-      </p:par>
-    </p:tnLst>
-  </p:timing>
 </p:sld>
 </file>
 
@@ -6053,10 +5503,9 @@
           <a:lstStyle/>
           <a:p>
             <a:r>
-              <a:rPr lang="fr-FR" dirty="0" smtClean="0"/>
+              <a:rPr lang="fr-FR" dirty="0"/>
               <a:t>R et les autres</a:t>
             </a:r>
-            <a:endParaRPr lang="fr-FR" dirty="0"/>
           </a:p>
         </p:txBody>
       </p:sp>
@@ -6076,25 +5525,25 @@
           <a:lstStyle/>
           <a:p>
             <a:r>
-              <a:rPr lang="fr-FR" dirty="0" smtClean="0"/>
+              <a:rPr lang="fr-FR" dirty="0"/>
               <a:t>SAS</a:t>
             </a:r>
           </a:p>
           <a:p>
             <a:r>
-              <a:rPr lang="fr-FR" dirty="0" smtClean="0"/>
+              <a:rPr lang="fr-FR" dirty="0"/>
               <a:t>Python</a:t>
             </a:r>
           </a:p>
           <a:p>
             <a:r>
-              <a:rPr lang="fr-FR" dirty="0" smtClean="0"/>
+              <a:rPr lang="fr-FR" dirty="0"/>
               <a:t>C/C++/C#</a:t>
             </a:r>
           </a:p>
           <a:p>
             <a:r>
-              <a:rPr lang="fr-FR" dirty="0" smtClean="0"/>
+              <a:rPr lang="fr-FR" dirty="0"/>
               <a:t>Java</a:t>
             </a:r>
           </a:p>
@@ -6110,13 +5559,6 @@
   <p:clrMapOvr>
     <a:masterClrMapping/>
   </p:clrMapOvr>
-  <p:timing>
-    <p:tnLst>
-      <p:par>
-        <p:cTn id="1" dur="indefinite" restart="never" nodeType="tmRoot"/>
-      </p:par>
-    </p:tnLst>
-  </p:timing>
 </p:sld>
 </file>
 
@@ -6153,10 +5595,9 @@
           <a:lstStyle/>
           <a:p>
             <a:r>
-              <a:rPr lang="fr-FR" dirty="0" smtClean="0"/>
+              <a:rPr lang="fr-FR" dirty="0"/>
               <a:t>Exemple</a:t>
             </a:r>
-            <a:endParaRPr lang="fr-FR" dirty="0"/>
           </a:p>
         </p:txBody>
       </p:sp>
@@ -6232,7 +5673,7 @@
               <a:buNone/>
             </a:pPr>
             <a:r>
-              <a:rPr lang="fr-FR" dirty="0" smtClean="0"/>
+              <a:rPr lang="fr-FR" dirty="0"/>
               <a:t>Fonction factorielle en R</a:t>
             </a:r>
           </a:p>
@@ -6284,10 +5725,9 @@
           <a:lstStyle/>
           <a:p>
             <a:r>
-              <a:rPr lang="fr-FR" dirty="0" smtClean="0"/>
+              <a:rPr lang="fr-FR" dirty="0"/>
               <a:t>Installation</a:t>
             </a:r>
-            <a:endParaRPr lang="fr-FR" dirty="0"/>
           </a:p>
         </p:txBody>
       </p:sp>
@@ -6307,27 +5747,27 @@
           <a:lstStyle/>
           <a:p>
             <a:r>
-              <a:rPr lang="fr-FR" dirty="0" smtClean="0"/>
+              <a:rPr lang="fr-FR" dirty="0"/>
               <a:t>cran.r-project.org</a:t>
             </a:r>
           </a:p>
           <a:p>
             <a:r>
-              <a:rPr lang="fr-FR" dirty="0" smtClean="0"/>
+              <a:rPr lang="fr-FR" dirty="0"/>
               <a:t>Au choix</a:t>
             </a:r>
           </a:p>
           <a:p>
             <a:pPr lvl="1"/>
             <a:r>
-              <a:rPr lang="fr-FR" dirty="0" smtClean="0"/>
+              <a:rPr lang="fr-FR" dirty="0"/>
               <a:t>32 bits</a:t>
             </a:r>
           </a:p>
           <a:p>
             <a:pPr lvl="1"/>
             <a:r>
-              <a:rPr lang="fr-FR" dirty="0" smtClean="0"/>
+              <a:rPr lang="fr-FR" dirty="0"/>
               <a:t>64 bits</a:t>
             </a:r>
           </a:p>
@@ -6420,10 +5860,9 @@
           <a:lstStyle/>
           <a:p>
             <a:r>
-              <a:rPr lang="fr-FR" dirty="0" smtClean="0"/>
+              <a:rPr lang="fr-FR" dirty="0"/>
               <a:t>R Shell</a:t>
             </a:r>
-            <a:endParaRPr lang="fr-FR" dirty="0"/>
           </a:p>
         </p:txBody>
       </p:sp>

--- a/ppt/R-01-Intro.pptx
+++ b/ppt/R-01-Intro.pptx
@@ -5,10 +5,10 @@
     <p:sldMasterId id="2147483653" r:id="rId1"/>
   </p:sldMasterIdLst>
   <p:notesMasterIdLst>
-    <p:notesMasterId r:id="rId22"/>
+    <p:notesMasterId r:id="rId20"/>
   </p:notesMasterIdLst>
   <p:handoutMasterIdLst>
-    <p:handoutMasterId r:id="rId23"/>
+    <p:handoutMasterId r:id="rId21"/>
   </p:handoutMasterIdLst>
   <p:sldIdLst>
     <p:sldId id="264" r:id="rId2"/>
@@ -28,9 +28,7 @@
     <p:sldId id="290" r:id="rId16"/>
     <p:sldId id="291" r:id="rId17"/>
     <p:sldId id="292" r:id="rId18"/>
-    <p:sldId id="294" r:id="rId19"/>
-    <p:sldId id="296" r:id="rId20"/>
-    <p:sldId id="297" r:id="rId21"/>
+    <p:sldId id="297" r:id="rId19"/>
   </p:sldIdLst>
   <p:sldSz cx="9144000" cy="6858000" type="screen4x3"/>
   <p:notesSz cx="6648450" cy="9782175"/>
@@ -4576,415 +4574,6 @@
           <a:p>
             <a:r>
               <a:rPr lang="fr-FR" dirty="0"/>
-              <a:t>Apprentissage supervisé</a:t>
-            </a:r>
-          </a:p>
-        </p:txBody>
-      </p:sp>
-      <p:sp>
-        <p:nvSpPr>
-          <p:cNvPr id="3" name="Espace réservé du contenu 2"/>
-          <p:cNvSpPr>
-            <a:spLocks noGrp="1"/>
-          </p:cNvSpPr>
-          <p:nvPr>
-            <p:ph idx="1"/>
-          </p:nvPr>
-        </p:nvSpPr>
-        <p:spPr/>
-        <p:txBody>
-          <a:bodyPr/>
-          <a:lstStyle/>
-          <a:p>
-            <a:r>
-              <a:rPr lang="fr-FR" dirty="0"/>
-              <a:t>Dans cet exemple les images ont été annotés par un expert avec leur catégorie</a:t>
-            </a:r>
-          </a:p>
-          <a:p>
-            <a:pPr lvl="1"/>
-            <a:r>
-              <a:rPr lang="fr-FR" dirty="0"/>
-              <a:t>La machine apprend puis prédit</a:t>
-            </a:r>
-          </a:p>
-        </p:txBody>
-      </p:sp>
-      <p:pic>
-        <p:nvPicPr>
-          <p:cNvPr id="1026" name="Picture 2" descr="Chaque image est labellée de sa catégorie"/>
-          <p:cNvPicPr>
-            <a:picLocks noChangeAspect="1" noChangeArrowheads="1"/>
-          </p:cNvPicPr>
-          <p:nvPr/>
-        </p:nvPicPr>
-        <p:blipFill>
-          <a:blip r:embed="rId2">
-            <a:extLst>
-              <a:ext uri="{28A0092B-C50C-407E-A947-70E740481C1C}">
-                <a14:useLocalDpi xmlns:a14="http://schemas.microsoft.com/office/drawing/2010/main" val="0"/>
-              </a:ext>
-            </a:extLst>
-          </a:blip>
-          <a:srcRect/>
-          <a:stretch>
-            <a:fillRect/>
-          </a:stretch>
-        </p:blipFill>
-        <p:spPr bwMode="auto">
-          <a:xfrm>
-            <a:off x="2195736" y="2852936"/>
-            <a:ext cx="4533900" cy="3505200"/>
-          </a:xfrm>
-          <a:prstGeom prst="rect">
-            <a:avLst/>
-          </a:prstGeom>
-          <a:noFill/>
-          <a:extLst>
-            <a:ext uri="{909E8E84-426E-40DD-AFC4-6F175D3DCCD1}">
-              <a14:hiddenFill xmlns:a14="http://schemas.microsoft.com/office/drawing/2010/main">
-                <a:solidFill>
-                  <a:srgbClr val="FFFFFF"/>
-                </a:solidFill>
-              </a14:hiddenFill>
-            </a:ext>
-          </a:extLst>
-        </p:spPr>
-      </p:pic>
-    </p:spTree>
-    <p:extLst>
-      <p:ext uri="{BB962C8B-B14F-4D97-AF65-F5344CB8AC3E}">
-        <p14:creationId xmlns:p14="http://schemas.microsoft.com/office/powerpoint/2010/main" val="4211638916"/>
-      </p:ext>
-    </p:extLst>
-  </p:cSld>
-  <p:clrMapOvr>
-    <a:masterClrMapping/>
-  </p:clrMapOvr>
-</p:sld>
-</file>
-
-<file path=ppt/slides/slide19.xml><?xml version="1.0" encoding="utf-8"?>
-<p:sld xmlns:a="http://schemas.openxmlformats.org/drawingml/2006/main" xmlns:r="http://schemas.openxmlformats.org/officeDocument/2006/relationships" xmlns:p="http://schemas.openxmlformats.org/presentationml/2006/main">
-  <p:cSld>
-    <p:spTree>
-      <p:nvGrpSpPr>
-        <p:cNvPr id="1" name=""/>
-        <p:cNvGrpSpPr/>
-        <p:nvPr/>
-      </p:nvGrpSpPr>
-      <p:grpSpPr>
-        <a:xfrm>
-          <a:off x="0" y="0"/>
-          <a:ext cx="0" cy="0"/>
-          <a:chOff x="0" y="0"/>
-          <a:chExt cx="0" cy="0"/>
-        </a:xfrm>
-      </p:grpSpPr>
-      <p:sp>
-        <p:nvSpPr>
-          <p:cNvPr id="2" name="Titre 1"/>
-          <p:cNvSpPr>
-            <a:spLocks noGrp="1"/>
-          </p:cNvSpPr>
-          <p:nvPr>
-            <p:ph type="title"/>
-          </p:nvPr>
-        </p:nvSpPr>
-        <p:spPr/>
-        <p:txBody>
-          <a:bodyPr/>
-          <a:lstStyle/>
-          <a:p>
-            <a:r>
-              <a:rPr lang="fr-FR" dirty="0" err="1"/>
-              <a:t>Deep</a:t>
-            </a:r>
-            <a:r>
-              <a:rPr lang="fr-FR" dirty="0"/>
-              <a:t> Learning</a:t>
-            </a:r>
-          </a:p>
-        </p:txBody>
-      </p:sp>
-      <p:sp>
-        <p:nvSpPr>
-          <p:cNvPr id="3" name="Espace réservé du contenu 2"/>
-          <p:cNvSpPr>
-            <a:spLocks noGrp="1"/>
-          </p:cNvSpPr>
-          <p:nvPr>
-            <p:ph idx="1"/>
-          </p:nvPr>
-        </p:nvSpPr>
-        <p:spPr/>
-        <p:txBody>
-          <a:bodyPr/>
-          <a:lstStyle/>
-          <a:p>
-            <a:r>
-              <a:rPr lang="fr-FR" dirty="0"/>
-              <a:t>Le </a:t>
-            </a:r>
-            <a:r>
-              <a:rPr lang="fr-FR" dirty="0" err="1"/>
-              <a:t>deep</a:t>
-            </a:r>
-            <a:r>
-              <a:rPr lang="fr-FR" dirty="0"/>
-              <a:t> </a:t>
-            </a:r>
-            <a:r>
-              <a:rPr lang="fr-FR" dirty="0" err="1"/>
-              <a:t>learning</a:t>
-            </a:r>
-            <a:r>
-              <a:rPr lang="fr-FR" dirty="0"/>
-              <a:t> est un ensemble de méthodes d'apprentissage automatique tentant de modéliser avec un haut niveau d’abstraction des données grâce à des architectures articulées de différentes transformations </a:t>
-            </a:r>
-            <a:r>
-              <a:rPr lang="fr-FR"/>
-              <a:t>non linéaires</a:t>
-            </a:r>
-          </a:p>
-          <a:p>
-            <a:pPr lvl="1"/>
-            <a:r>
-              <a:rPr lang="fr-FR"/>
-              <a:t>Ces </a:t>
-            </a:r>
-            <a:r>
-              <a:rPr lang="fr-FR" dirty="0"/>
-              <a:t>techniques ont permis des progrès importants et rapides dans les domaines de l'analyse du signal sonore ou visuel et notamment de la reconnaissance faciale, de la reconnaissance vocale, de la vision par ordinateur, du traitement automatisé du langage</a:t>
-            </a:r>
-          </a:p>
-        </p:txBody>
-      </p:sp>
-    </p:spTree>
-    <p:extLst>
-      <p:ext uri="{BB962C8B-B14F-4D97-AF65-F5344CB8AC3E}">
-        <p14:creationId xmlns:p14="http://schemas.microsoft.com/office/powerpoint/2010/main" val="900987378"/>
-      </p:ext>
-    </p:extLst>
-  </p:cSld>
-  <p:clrMapOvr>
-    <a:masterClrMapping/>
-  </p:clrMapOvr>
-</p:sld>
-</file>
-
-<file path=ppt/slides/slide2.xml><?xml version="1.0" encoding="utf-8"?>
-<p:sld xmlns:a="http://schemas.openxmlformats.org/drawingml/2006/main" xmlns:r="http://schemas.openxmlformats.org/officeDocument/2006/relationships" xmlns:p="http://schemas.openxmlformats.org/presentationml/2006/main">
-  <p:cSld>
-    <p:spTree>
-      <p:nvGrpSpPr>
-        <p:cNvPr id="1" name=""/>
-        <p:cNvGrpSpPr/>
-        <p:nvPr/>
-      </p:nvGrpSpPr>
-      <p:grpSpPr>
-        <a:xfrm>
-          <a:off x="0" y="0"/>
-          <a:ext cx="0" cy="0"/>
-          <a:chOff x="0" y="0"/>
-          <a:chExt cx="0" cy="0"/>
-        </a:xfrm>
-      </p:grpSpPr>
-      <p:sp>
-        <p:nvSpPr>
-          <p:cNvPr id="3074" name="Titre 1"/>
-          <p:cNvSpPr>
-            <a:spLocks noGrp="1"/>
-          </p:cNvSpPr>
-          <p:nvPr>
-            <p:ph type="title"/>
-          </p:nvPr>
-        </p:nvSpPr>
-        <p:spPr>
-          <a:xfrm>
-            <a:off x="1187450" y="12700"/>
-            <a:ext cx="7829550" cy="1143000"/>
-          </a:xfrm>
-        </p:spPr>
-        <p:txBody>
-          <a:bodyPr/>
-          <a:lstStyle/>
-          <a:p>
-            <a:endParaRPr lang="fr-FR" altLang="fr-FR" dirty="0"/>
-          </a:p>
-        </p:txBody>
-      </p:sp>
-      <p:sp>
-        <p:nvSpPr>
-          <p:cNvPr id="3075" name="Espace réservé du contenu 2"/>
-          <p:cNvSpPr>
-            <a:spLocks noGrp="1"/>
-          </p:cNvSpPr>
-          <p:nvPr>
-            <p:ph idx="1"/>
-          </p:nvPr>
-        </p:nvSpPr>
-        <p:spPr>
-          <a:xfrm>
-            <a:off x="179388" y="1412776"/>
-            <a:ext cx="8766175" cy="5040313"/>
-          </a:xfrm>
-        </p:spPr>
-        <p:txBody>
-          <a:bodyPr/>
-          <a:lstStyle/>
-          <a:p>
-            <a:r>
-              <a:rPr lang="fr-FR" altLang="fr-FR" dirty="0"/>
-              <a:t>R est un langage de programmation destiné aux statistiques et à la science des données</a:t>
-            </a:r>
-          </a:p>
-          <a:p>
-            <a:pPr lvl="1"/>
-            <a:r>
-              <a:rPr lang="fr-FR" altLang="fr-FR" dirty="0"/>
-              <a:t>Soutenu par la R </a:t>
-            </a:r>
-            <a:r>
-              <a:rPr lang="fr-FR" altLang="fr-FR" dirty="0" err="1"/>
-              <a:t>Foundation</a:t>
-            </a:r>
-            <a:r>
-              <a:rPr lang="fr-FR" altLang="fr-FR" dirty="0"/>
-              <a:t> for </a:t>
-            </a:r>
-            <a:r>
-              <a:rPr lang="fr-FR" altLang="fr-FR" dirty="0" err="1"/>
-              <a:t>Statistical</a:t>
-            </a:r>
-            <a:r>
-              <a:rPr lang="fr-FR" altLang="fr-FR" dirty="0"/>
-              <a:t> </a:t>
-            </a:r>
-            <a:r>
-              <a:rPr lang="fr-FR" altLang="fr-FR" dirty="0" err="1"/>
-              <a:t>Computing</a:t>
-            </a:r>
-            <a:endParaRPr lang="fr-FR" altLang="fr-FR" dirty="0"/>
-          </a:p>
-          <a:p>
-            <a:r>
-              <a:rPr lang="fr-FR" altLang="fr-FR" dirty="0"/>
-              <a:t>R est libre</a:t>
-            </a:r>
-          </a:p>
-          <a:p>
-            <a:pPr lvl="1"/>
-            <a:r>
-              <a:rPr lang="fr-FR" altLang="fr-FR" dirty="0"/>
-              <a:t>Implémentation GNU R</a:t>
-            </a:r>
-          </a:p>
-          <a:p>
-            <a:r>
-              <a:rPr lang="fr-FR" altLang="fr-FR" dirty="0"/>
-              <a:t>Créé par Ross </a:t>
-            </a:r>
-            <a:r>
-              <a:rPr lang="fr-FR" altLang="fr-FR" dirty="0" err="1"/>
-              <a:t>Ihaka</a:t>
-            </a:r>
-            <a:r>
-              <a:rPr lang="fr-FR" altLang="fr-FR" dirty="0"/>
-              <a:t> et Robert Gentleman à l'université d'Auckland (NZ)</a:t>
-            </a:r>
-          </a:p>
-          <a:p>
-            <a:r>
-              <a:rPr lang="fr-FR" altLang="fr-FR" dirty="0"/>
-              <a:t>Basé sur le langage S</a:t>
-            </a:r>
-          </a:p>
-        </p:txBody>
-      </p:sp>
-      <p:pic>
-        <p:nvPicPr>
-          <p:cNvPr id="6" name="Picture 2" descr="Logo."/>
-          <p:cNvPicPr>
-            <a:picLocks noChangeAspect="1" noChangeArrowheads="1"/>
-          </p:cNvPicPr>
-          <p:nvPr/>
-        </p:nvPicPr>
-        <p:blipFill>
-          <a:blip r:embed="rId2" cstate="print">
-            <a:extLst>
-              <a:ext uri="{28A0092B-C50C-407E-A947-70E740481C1C}">
-                <a14:useLocalDpi xmlns:a14="http://schemas.microsoft.com/office/drawing/2010/main" val="0"/>
-              </a:ext>
-            </a:extLst>
-          </a:blip>
-          <a:srcRect/>
-          <a:stretch>
-            <a:fillRect/>
-          </a:stretch>
-        </p:blipFill>
-        <p:spPr bwMode="auto">
-          <a:xfrm>
-            <a:off x="3851920" y="-5555"/>
-            <a:ext cx="1584176" cy="1227737"/>
-          </a:xfrm>
-          <a:prstGeom prst="rect">
-            <a:avLst/>
-          </a:prstGeom>
-          <a:noFill/>
-          <a:extLst>
-            <a:ext uri="{909E8E84-426E-40DD-AFC4-6F175D3DCCD1}">
-              <a14:hiddenFill xmlns:a14="http://schemas.microsoft.com/office/drawing/2010/main">
-                <a:solidFill>
-                  <a:srgbClr val="FFFFFF"/>
-                </a:solidFill>
-              </a14:hiddenFill>
-            </a:ext>
-          </a:extLst>
-        </p:spPr>
-      </p:pic>
-    </p:spTree>
-  </p:cSld>
-  <p:clrMapOvr>
-    <a:masterClrMapping/>
-  </p:clrMapOvr>
-</p:sld>
-</file>
-
-<file path=ppt/slides/slide20.xml><?xml version="1.0" encoding="utf-8"?>
-<p:sld xmlns:a="http://schemas.openxmlformats.org/drawingml/2006/main" xmlns:r="http://schemas.openxmlformats.org/officeDocument/2006/relationships" xmlns:p="http://schemas.openxmlformats.org/presentationml/2006/main">
-  <p:cSld>
-    <p:spTree>
-      <p:nvGrpSpPr>
-        <p:cNvPr id="1" name=""/>
-        <p:cNvGrpSpPr/>
-        <p:nvPr/>
-      </p:nvGrpSpPr>
-      <p:grpSpPr>
-        <a:xfrm>
-          <a:off x="0" y="0"/>
-          <a:ext cx="0" cy="0"/>
-          <a:chOff x="0" y="0"/>
-          <a:chExt cx="0" cy="0"/>
-        </a:xfrm>
-      </p:grpSpPr>
-      <p:sp>
-        <p:nvSpPr>
-          <p:cNvPr id="2" name="Titre 1"/>
-          <p:cNvSpPr>
-            <a:spLocks noGrp="1"/>
-          </p:cNvSpPr>
-          <p:nvPr>
-            <p:ph type="title"/>
-          </p:nvPr>
-        </p:nvSpPr>
-        <p:spPr/>
-        <p:txBody>
-          <a:bodyPr/>
-          <a:lstStyle/>
-          <a:p>
-            <a:r>
-              <a:rPr lang="fr-FR" dirty="0"/>
               <a:t>Workflow</a:t>
             </a:r>
           </a:p>
@@ -5046,6 +4635,184 @@
 </p:sld>
 </file>
 
+<file path=ppt/slides/slide2.xml><?xml version="1.0" encoding="utf-8"?>
+<p:sld xmlns:a="http://schemas.openxmlformats.org/drawingml/2006/main" xmlns:r="http://schemas.openxmlformats.org/officeDocument/2006/relationships" xmlns:p="http://schemas.openxmlformats.org/presentationml/2006/main">
+  <p:cSld>
+    <p:spTree>
+      <p:nvGrpSpPr>
+        <p:cNvPr id="1" name=""/>
+        <p:cNvGrpSpPr/>
+        <p:nvPr/>
+      </p:nvGrpSpPr>
+      <p:grpSpPr>
+        <a:xfrm>
+          <a:off x="0" y="0"/>
+          <a:ext cx="0" cy="0"/>
+          <a:chOff x="0" y="0"/>
+          <a:chExt cx="0" cy="0"/>
+        </a:xfrm>
+      </p:grpSpPr>
+      <p:sp>
+        <p:nvSpPr>
+          <p:cNvPr id="3074" name="Titre 1"/>
+          <p:cNvSpPr>
+            <a:spLocks noGrp="1"/>
+          </p:cNvSpPr>
+          <p:nvPr>
+            <p:ph type="title"/>
+          </p:nvPr>
+        </p:nvSpPr>
+        <p:spPr>
+          <a:xfrm>
+            <a:off x="1187450" y="12700"/>
+            <a:ext cx="7829550" cy="1143000"/>
+          </a:xfrm>
+        </p:spPr>
+        <p:txBody>
+          <a:bodyPr/>
+          <a:lstStyle/>
+          <a:p>
+            <a:endParaRPr lang="fr-FR" altLang="fr-FR" dirty="0"/>
+          </a:p>
+        </p:txBody>
+      </p:sp>
+      <p:sp>
+        <p:nvSpPr>
+          <p:cNvPr id="3075" name="Espace réservé du contenu 2"/>
+          <p:cNvSpPr>
+            <a:spLocks noGrp="1"/>
+          </p:cNvSpPr>
+          <p:nvPr>
+            <p:ph idx="1"/>
+          </p:nvPr>
+        </p:nvSpPr>
+        <p:spPr>
+          <a:xfrm>
+            <a:off x="179388" y="1412776"/>
+            <a:ext cx="8766175" cy="5040313"/>
+          </a:xfrm>
+        </p:spPr>
+        <p:txBody>
+          <a:bodyPr/>
+          <a:lstStyle/>
+          <a:p>
+            <a:r>
+              <a:rPr lang="fr-FR" altLang="fr-FR" dirty="0"/>
+              <a:t>R est un langage de programmation destiné aux statistiques et à la science des données</a:t>
+            </a:r>
+          </a:p>
+          <a:p>
+            <a:pPr lvl="1"/>
+            <a:r>
+              <a:rPr lang="fr-FR" altLang="fr-FR" dirty="0"/>
+              <a:t>Soutenu par la R </a:t>
+            </a:r>
+            <a:r>
+              <a:rPr lang="fr-FR" altLang="fr-FR" dirty="0" err="1"/>
+              <a:t>Foundation</a:t>
+            </a:r>
+            <a:r>
+              <a:rPr lang="fr-FR" altLang="fr-FR" dirty="0"/>
+              <a:t> for </a:t>
+            </a:r>
+            <a:r>
+              <a:rPr lang="fr-FR" altLang="fr-FR" dirty="0" err="1"/>
+              <a:t>Statistical</a:t>
+            </a:r>
+            <a:r>
+              <a:rPr lang="fr-FR" altLang="fr-FR" dirty="0"/>
+              <a:t> </a:t>
+            </a:r>
+            <a:r>
+              <a:rPr lang="fr-FR" altLang="fr-FR" dirty="0" err="1"/>
+              <a:t>Computing</a:t>
+            </a:r>
+            <a:endParaRPr lang="fr-FR" altLang="fr-FR" dirty="0"/>
+          </a:p>
+          <a:p>
+            <a:r>
+              <a:rPr lang="fr-FR" altLang="fr-FR" dirty="0"/>
+              <a:t>R est libre</a:t>
+            </a:r>
+          </a:p>
+          <a:p>
+            <a:pPr lvl="1"/>
+            <a:r>
+              <a:rPr lang="fr-FR" altLang="fr-FR" dirty="0"/>
+              <a:t>Implémentation GNU R</a:t>
+            </a:r>
+          </a:p>
+          <a:p>
+            <a:r>
+              <a:rPr lang="fr-FR" altLang="fr-FR" dirty="0"/>
+              <a:t>Créé par Ross </a:t>
+            </a:r>
+            <a:r>
+              <a:rPr lang="fr-FR" altLang="fr-FR" dirty="0" err="1"/>
+              <a:t>Ihaka</a:t>
+            </a:r>
+            <a:r>
+              <a:rPr lang="fr-FR" altLang="fr-FR" dirty="0"/>
+              <a:t> et Robert Gentleman à l'université d'Auckland (NZ)</a:t>
+            </a:r>
+          </a:p>
+          <a:p>
+            <a:r>
+              <a:rPr lang="fr-FR" altLang="fr-FR" dirty="0"/>
+              <a:t>Basé sur le langage S</a:t>
+            </a:r>
+          </a:p>
+        </p:txBody>
+      </p:sp>
+      <p:pic>
+        <p:nvPicPr>
+          <p:cNvPr id="6" name="Picture 2" descr="Logo."/>
+          <p:cNvPicPr>
+            <a:picLocks noChangeAspect="1" noChangeArrowheads="1"/>
+          </p:cNvPicPr>
+          <p:nvPr/>
+        </p:nvPicPr>
+        <p:blipFill>
+          <a:blip r:embed="rId2" cstate="print">
+            <a:extLst>
+              <a:ext uri="{28A0092B-C50C-407E-A947-70E740481C1C}">
+                <a14:useLocalDpi xmlns:a14="http://schemas.microsoft.com/office/drawing/2010/main" val="0"/>
+              </a:ext>
+            </a:extLst>
+          </a:blip>
+          <a:srcRect/>
+          <a:stretch>
+            <a:fillRect/>
+          </a:stretch>
+        </p:blipFill>
+        <p:spPr bwMode="auto">
+          <a:xfrm>
+            <a:off x="3851920" y="-5555"/>
+            <a:ext cx="1584176" cy="1227737"/>
+          </a:xfrm>
+          <a:prstGeom prst="rect">
+            <a:avLst/>
+          </a:prstGeom>
+          <a:noFill/>
+          <a:extLst>
+            <a:ext uri="{909E8E84-426E-40DD-AFC4-6F175D3DCCD1}">
+              <a14:hiddenFill xmlns:a14="http://schemas.microsoft.com/office/drawing/2010/main">
+                <a:solidFill>
+                  <a:srgbClr val="FFFFFF"/>
+                </a:solidFill>
+              </a14:hiddenFill>
+            </a:ext>
+          </a:extLst>
+        </p:spPr>
+      </p:pic>
+    </p:spTree>
+  </p:cSld>
+  <p:clrMapOvr>
+    <a:masterClrMapping/>
+  </p:clrMapOvr>
+</p:sld>
+</file>
+
 <file path=ppt/slides/slide3.xml><?xml version="1.0" encoding="utf-8"?>
 <p:sld xmlns:a="http://schemas.openxmlformats.org/drawingml/2006/main" xmlns:r="http://schemas.openxmlformats.org/officeDocument/2006/relationships" xmlns:p="http://schemas.openxmlformats.org/presentationml/2006/main">
   <p:cSld>
@@ -5267,14 +5034,14 @@
           <a:p>
             <a:r>
               <a:rPr lang="fr-FR" altLang="fr-FR" dirty="0"/>
-              <a:t>R 3.x</a:t>
+              <a:t>R 4.x</a:t>
             </a:r>
           </a:p>
           <a:p>
             <a:pPr lvl="1"/>
             <a:r>
               <a:rPr lang="fr-FR" altLang="fr-FR" dirty="0"/>
-              <a:t>Grosses différences avec R 2.x</a:t>
+              <a:t>Grosses différences avec R 3.x</a:t>
             </a:r>
           </a:p>
           <a:p>
@@ -5416,43 +5183,25 @@
           <a:p>
             <a:r>
               <a:rPr lang="fr-FR" sz="2400" dirty="0"/>
-              <a:t>R 3.5 : 2018</a:t>
+              <a:t>R 3.6 : 2019</a:t>
             </a:r>
           </a:p>
           <a:p>
             <a:r>
               <a:rPr lang="fr-FR" sz="2400" dirty="0"/>
-              <a:t>R 3.6 : 2019</a:t>
-            </a:r>
-          </a:p>
-          <a:p>
-            <a:endParaRPr lang="fr-FR" sz="2400" dirty="0"/>
+              <a:t>R 4.0 : 2020</a:t>
+            </a:r>
           </a:p>
           <a:p>
             <a:r>
               <a:rPr lang="fr-FR" sz="2400" dirty="0"/>
-              <a:t>Existe </a:t>
-            </a:r>
-            <a:r>
-              <a:rPr lang="fr-FR" sz="2400"/>
-              <a:t>pour Windows, </a:t>
-            </a:r>
+              <a:t>R 4.4 : 2024</a:t>
+            </a:r>
+          </a:p>
+          <a:p>
             <a:r>
               <a:rPr lang="fr-FR" sz="2400" dirty="0"/>
-              <a:t>Mac, Linux</a:t>
-            </a:r>
-          </a:p>
-          <a:p>
-            <a:r>
-              <a:rPr lang="fr-FR" sz="2400" dirty="0"/>
-              <a:t>32 bits et 64 bits</a:t>
-            </a:r>
-          </a:p>
-          <a:p>
-            <a:pPr lvl="1"/>
-            <a:r>
-              <a:rPr lang="fr-FR" sz="2000" dirty="0"/>
-              <a:t>Attention R 32 bits est limité à 2Go de RAM</a:t>
+              <a:t>Existe pour Windows, Mac, Linux</a:t>
             </a:r>
           </a:p>
         </p:txBody>
